--- a/source/Security/images_Authentication/materialAuthentication.pptx
+++ b/source/Security/images_Authentication/materialAuthentication.pptx
@@ -11,7 +11,7 @@
     <p:sldId id="261" r:id="rId2"/>
     <p:sldId id="256" r:id="rId3"/>
     <p:sldId id="257" r:id="rId4"/>
-    <p:sldId id="258" r:id="rId5"/>
+    <p:sldId id="262" r:id="rId5"/>
     <p:sldId id="259" r:id="rId6"/>
     <p:sldId id="260" r:id="rId7"/>
   </p:sldIdLst>
@@ -1000,52 +1000,6 @@
       <dsp:cNvGrpSpPr/>
     </dsp:nvGrpSpPr>
     <dsp:grpSpPr/>
-    <dsp:sp modelId="{C8ADD89D-0B04-409D-ABF7-5309F3F3B6FF}">
-      <dsp:nvSpPr>
-        <dsp:cNvPr id="0" name=""/>
-        <dsp:cNvSpPr/>
-      </dsp:nvSpPr>
-      <dsp:spPr>
-        <a:xfrm>
-          <a:off x="538404" y="0"/>
-          <a:ext cx="6101914" cy="2581321"/>
-        </a:xfrm>
-        <a:prstGeom prst="rightArrow">
-          <a:avLst/>
-        </a:prstGeom>
-        <a:solidFill>
-          <a:schemeClr val="dk2">
-            <a:tint val="40000"/>
-            <a:hueOff val="0"/>
-            <a:satOff val="0"/>
-            <a:lumOff val="0"/>
-            <a:alphaOff val="0"/>
-          </a:schemeClr>
-        </a:solidFill>
-        <a:ln>
-          <a:noFill/>
-        </a:ln>
-        <a:effectLst>
-          <a:outerShdw blurRad="40000" dist="20000" dir="5400000" rotWithShape="0">
-            <a:srgbClr val="000000">
-              <a:alpha val="38000"/>
-            </a:srgbClr>
-          </a:outerShdw>
-        </a:effectLst>
-      </dsp:spPr>
-      <dsp:style>
-        <a:lnRef idx="0">
-          <a:scrgbClr r="0" g="0" b="0"/>
-        </a:lnRef>
-        <a:fillRef idx="1">
-          <a:scrgbClr r="0" g="0" b="0"/>
-        </a:fillRef>
-        <a:effectRef idx="1">
-          <a:scrgbClr r="0" g="0" b="0"/>
-        </a:effectRef>
-        <a:fontRef idx="minor"/>
-      </dsp:style>
-    </dsp:sp>
   </dsp:spTree>
 </dsp:drawing>
 </file>
@@ -2347,7 +2301,7 @@
             <a:fld id="{3BB47352-BF5A-4CD2-B029-996118CD8E01}" type="datetimeFigureOut">
               <a:rPr kumimoji="1" lang="ja-JP" altLang="en-US" smtClean="0"/>
               <a:pPr/>
-              <a:t>2016/1/14</a:t>
+              <a:t>2016/2/12</a:t>
             </a:fld>
             <a:endParaRPr kumimoji="1" lang="ja-JP" altLang="en-US"/>
           </a:p>
@@ -2648,6 +2602,91 @@
 </p:notesMaster>
 </file>
 
+<file path=ppt/notesSlides/notesSlide1.xml><?xml version="1.0" encoding="utf-8"?>
+<p:notes xmlns:a="http://schemas.openxmlformats.org/drawingml/2006/main" xmlns:r="http://schemas.openxmlformats.org/officeDocument/2006/relationships" xmlns:p="http://schemas.openxmlformats.org/presentationml/2006/main">
+  <p:cSld>
+    <p:spTree>
+      <p:nvGrpSpPr>
+        <p:cNvPr id="1" name=""/>
+        <p:cNvGrpSpPr/>
+        <p:nvPr/>
+      </p:nvGrpSpPr>
+      <p:grpSpPr>
+        <a:xfrm>
+          <a:off x="0" y="0"/>
+          <a:ext cx="0" cy="0"/>
+          <a:chOff x="0" y="0"/>
+          <a:chExt cx="0" cy="0"/>
+        </a:xfrm>
+      </p:grpSpPr>
+      <p:sp>
+        <p:nvSpPr>
+          <p:cNvPr id="2" name="スライド イメージ プレースホルダー 1"/>
+          <p:cNvSpPr>
+            <a:spLocks noGrp="1" noRot="1" noChangeAspect="1"/>
+          </p:cNvSpPr>
+          <p:nvPr>
+            <p:ph type="sldImg"/>
+          </p:nvPr>
+        </p:nvSpPr>
+        <p:spPr/>
+      </p:sp>
+      <p:sp>
+        <p:nvSpPr>
+          <p:cNvPr id="3" name="ノート プレースホルダー 2"/>
+          <p:cNvSpPr>
+            <a:spLocks noGrp="1"/>
+          </p:cNvSpPr>
+          <p:nvPr>
+            <p:ph type="body" idx="1"/>
+          </p:nvPr>
+        </p:nvSpPr>
+        <p:spPr/>
+        <p:txBody>
+          <a:bodyPr/>
+          <a:lstStyle/>
+          <a:p>
+            <a:endParaRPr kumimoji="1" lang="ja-JP" altLang="en-US" dirty="0"/>
+          </a:p>
+        </p:txBody>
+      </p:sp>
+      <p:sp>
+        <p:nvSpPr>
+          <p:cNvPr id="4" name="スライド番号プレースホルダー 3"/>
+          <p:cNvSpPr>
+            <a:spLocks noGrp="1"/>
+          </p:cNvSpPr>
+          <p:nvPr>
+            <p:ph type="sldNum" sz="quarter" idx="10"/>
+          </p:nvPr>
+        </p:nvSpPr>
+        <p:spPr/>
+        <p:txBody>
+          <a:bodyPr/>
+          <a:lstStyle/>
+          <a:p>
+            <a:fld id="{003CFFA3-9D07-4088-826B-DF328166082C}" type="slidenum">
+              <a:rPr kumimoji="1" lang="ja-JP" altLang="en-US" smtClean="0"/>
+              <a:pPr/>
+              <a:t>4</a:t>
+            </a:fld>
+            <a:endParaRPr kumimoji="1" lang="ja-JP" altLang="en-US"/>
+          </a:p>
+        </p:txBody>
+      </p:sp>
+    </p:spTree>
+    <p:extLst>
+      <p:ext uri="{BB962C8B-B14F-4D97-AF65-F5344CB8AC3E}">
+        <p14:creationId xmlns:p14="http://schemas.microsoft.com/office/powerpoint/2010/main" val="1303798984"/>
+      </p:ext>
+    </p:extLst>
+  </p:cSld>
+  <p:clrMapOvr>
+    <a:masterClrMapping/>
+  </p:clrMapOvr>
+</p:notes>
+</file>
+
 <file path=ppt/slideLayouts/slideLayout1.xml><?xml version="1.0" encoding="utf-8"?>
 <p:sldLayout xmlns:a="http://schemas.openxmlformats.org/drawingml/2006/main" xmlns:r="http://schemas.openxmlformats.org/officeDocument/2006/relationships" xmlns:p="http://schemas.openxmlformats.org/presentationml/2006/main" type="title" preserve="1">
   <p:cSld name="タイトル スライド">
@@ -2830,7 +2869,7 @@
             <a:fld id="{7B9B12EC-6AA0-374B-A2D3-850081A07A26}" type="datetimeFigureOut">
               <a:rPr kumimoji="1" lang="ja-JP" altLang="en-US" smtClean="0"/>
               <a:pPr/>
-              <a:t>2016/1/14</a:t>
+              <a:t>2016/2/12</a:t>
             </a:fld>
             <a:endParaRPr kumimoji="1" lang="ja-JP" altLang="en-US"/>
           </a:p>
@@ -3034,7 +3073,7 @@
             <a:fld id="{7B9B12EC-6AA0-374B-A2D3-850081A07A26}" type="datetimeFigureOut">
               <a:rPr kumimoji="1" lang="ja-JP" altLang="en-US" smtClean="0"/>
               <a:pPr/>
-              <a:t>2016/1/14</a:t>
+              <a:t>2016/2/12</a:t>
             </a:fld>
             <a:endParaRPr kumimoji="1" lang="ja-JP" altLang="en-US"/>
           </a:p>
@@ -3248,7 +3287,7 @@
             <a:fld id="{7B9B12EC-6AA0-374B-A2D3-850081A07A26}" type="datetimeFigureOut">
               <a:rPr kumimoji="1" lang="ja-JP" altLang="en-US" smtClean="0"/>
               <a:pPr/>
-              <a:t>2016/1/14</a:t>
+              <a:t>2016/2/12</a:t>
             </a:fld>
             <a:endParaRPr kumimoji="1" lang="ja-JP" altLang="en-US"/>
           </a:p>
@@ -3452,7 +3491,7 @@
             <a:fld id="{7B9B12EC-6AA0-374B-A2D3-850081A07A26}" type="datetimeFigureOut">
               <a:rPr kumimoji="1" lang="ja-JP" altLang="en-US" smtClean="0"/>
               <a:pPr/>
-              <a:t>2016/1/14</a:t>
+              <a:t>2016/2/12</a:t>
             </a:fld>
             <a:endParaRPr kumimoji="1" lang="ja-JP" altLang="en-US"/>
           </a:p>
@@ -3700,7 +3739,7 @@
             <a:fld id="{7B9B12EC-6AA0-374B-A2D3-850081A07A26}" type="datetimeFigureOut">
               <a:rPr kumimoji="1" lang="ja-JP" altLang="en-US" smtClean="0"/>
               <a:pPr/>
-              <a:t>2016/1/14</a:t>
+              <a:t>2016/2/12</a:t>
             </a:fld>
             <a:endParaRPr kumimoji="1" lang="ja-JP" altLang="en-US"/>
           </a:p>
@@ -4054,7 +4093,7 @@
             <a:fld id="{7B9B12EC-6AA0-374B-A2D3-850081A07A26}" type="datetimeFigureOut">
               <a:rPr kumimoji="1" lang="ja-JP" altLang="en-US" smtClean="0"/>
               <a:pPr/>
-              <a:t>2016/1/14</a:t>
+              <a:t>2016/2/12</a:t>
             </a:fld>
             <a:endParaRPr kumimoji="1" lang="ja-JP" altLang="en-US"/>
           </a:p>
@@ -4542,7 +4581,7 @@
             <a:fld id="{7B9B12EC-6AA0-374B-A2D3-850081A07A26}" type="datetimeFigureOut">
               <a:rPr kumimoji="1" lang="ja-JP" altLang="en-US" smtClean="0"/>
               <a:pPr/>
-              <a:t>2016/1/14</a:t>
+              <a:t>2016/2/12</a:t>
             </a:fld>
             <a:endParaRPr kumimoji="1" lang="ja-JP" altLang="en-US"/>
           </a:p>
@@ -4662,7 +4701,7 @@
             <a:fld id="{7B9B12EC-6AA0-374B-A2D3-850081A07A26}" type="datetimeFigureOut">
               <a:rPr kumimoji="1" lang="ja-JP" altLang="en-US" smtClean="0"/>
               <a:pPr/>
-              <a:t>2016/1/14</a:t>
+              <a:t>2016/2/12</a:t>
             </a:fld>
             <a:endParaRPr kumimoji="1" lang="ja-JP" altLang="en-US"/>
           </a:p>
@@ -4759,7 +4798,7 @@
             <a:fld id="{7B9B12EC-6AA0-374B-A2D3-850081A07A26}" type="datetimeFigureOut">
               <a:rPr kumimoji="1" lang="ja-JP" altLang="en-US" smtClean="0"/>
               <a:pPr/>
-              <a:t>2016/1/14</a:t>
+              <a:t>2016/2/12</a:t>
             </a:fld>
             <a:endParaRPr kumimoji="1" lang="ja-JP" altLang="en-US"/>
           </a:p>
@@ -5070,7 +5109,7 @@
             <a:fld id="{7B9B12EC-6AA0-374B-A2D3-850081A07A26}" type="datetimeFigureOut">
               <a:rPr kumimoji="1" lang="ja-JP" altLang="en-US" smtClean="0"/>
               <a:pPr/>
-              <a:t>2016/1/14</a:t>
+              <a:t>2016/2/12</a:t>
             </a:fld>
             <a:endParaRPr kumimoji="1" lang="ja-JP" altLang="en-US"/>
           </a:p>
@@ -5325,7 +5364,7 @@
             <a:fld id="{7B9B12EC-6AA0-374B-A2D3-850081A07A26}" type="datetimeFigureOut">
               <a:rPr kumimoji="1" lang="ja-JP" altLang="en-US" smtClean="0"/>
               <a:pPr/>
-              <a:t>2016/1/14</a:t>
+              <a:t>2016/2/12</a:t>
             </a:fld>
             <a:endParaRPr kumimoji="1" lang="ja-JP" altLang="en-US"/>
           </a:p>
@@ -5572,7 +5611,7 @@
             <a:fld id="{7B9B12EC-6AA0-374B-A2D3-850081A07A26}" type="datetimeFigureOut">
               <a:rPr kumimoji="1" lang="ja-JP" altLang="en-US" smtClean="0"/>
               <a:pPr/>
-              <a:t>2016/1/14</a:t>
+              <a:t>2016/2/12</a:t>
             </a:fld>
             <a:endParaRPr kumimoji="1" lang="ja-JP" altLang="en-US"/>
           </a:p>
@@ -11073,7 +11112,7 @@
         </p:nvSpPr>
         <p:spPr>
           <a:xfrm>
-            <a:off x="827584" y="245569"/>
+            <a:off x="871016" y="72978"/>
             <a:ext cx="7416824" cy="3183431"/>
           </a:xfrm>
           <a:prstGeom prst="rect">
@@ -11133,8 +11172,8 @@
         </p:nvSpPr>
         <p:spPr>
           <a:xfrm>
-            <a:off x="1013587" y="862063"/>
-            <a:ext cx="1470182" cy="1866053"/>
+            <a:off x="1026113" y="689472"/>
+            <a:ext cx="1501088" cy="1866053"/>
           </a:xfrm>
           <a:prstGeom prst="rect">
             <a:avLst/>
@@ -11171,7 +11210,7 @@
           <a:p>
             <a:pPr algn="ctr"/>
             <a:r>
-              <a:rPr lang="en-US" altLang="ja-JP" sz="1600" dirty="0" smtClean="0">
+              <a:rPr lang="en-US" altLang="ja-JP" sz="1600" dirty="0">
                 <a:solidFill>
                   <a:schemeClr val="tx1">
                     <a:lumMod val="75000"/>
@@ -11204,7 +11243,7 @@
         </p:nvSpPr>
         <p:spPr>
           <a:xfrm>
-            <a:off x="3635896" y="1374508"/>
+            <a:off x="3679328" y="1201917"/>
             <a:ext cx="1629867" cy="974823"/>
           </a:xfrm>
           <a:prstGeom prst="rect">
@@ -11291,8 +11330,8 @@
         </p:nvCxnSpPr>
         <p:spPr bwMode="invGray">
           <a:xfrm flipH="1">
-            <a:off x="5265763" y="1856488"/>
-            <a:ext cx="981795" cy="5432"/>
+            <a:off x="5309195" y="1683897"/>
+            <a:ext cx="1016631" cy="5432"/>
           </a:xfrm>
           <a:prstGeom prst="straightConnector1">
             <a:avLst/>
@@ -11332,7 +11371,7 @@
         </p:nvSpPr>
         <p:spPr>
           <a:xfrm>
-            <a:off x="6247558" y="1369076"/>
+            <a:off x="6325826" y="1196485"/>
             <a:ext cx="1756616" cy="974823"/>
           </a:xfrm>
           <a:prstGeom prst="rect">
@@ -11435,8 +11474,8 @@
         </p:nvCxnSpPr>
         <p:spPr bwMode="invGray">
           <a:xfrm flipH="1" flipV="1">
-            <a:off x="2483768" y="1071574"/>
-            <a:ext cx="1152128" cy="625304"/>
+            <a:off x="2398576" y="823970"/>
+            <a:ext cx="1280752" cy="700317"/>
           </a:xfrm>
           <a:prstGeom prst="straightConnector1">
             <a:avLst/>
@@ -11467,93 +11506,6 @@
           </a:fontRef>
         </p:style>
       </p:cxnSp>
-      <p:sp>
-        <p:nvSpPr>
-          <p:cNvPr id="48" name="正方形/長方形 47"/>
-          <p:cNvSpPr/>
-          <p:nvPr/>
-        </p:nvSpPr>
-        <p:spPr>
-          <a:xfrm>
-            <a:off x="2603027" y="826867"/>
-            <a:ext cx="1582474" cy="489415"/>
-          </a:xfrm>
-          <a:prstGeom prst="rect">
-            <a:avLst/>
-          </a:prstGeom>
-          <a:solidFill>
-            <a:schemeClr val="accent6">
-              <a:lumMod val="60000"/>
-              <a:lumOff val="40000"/>
-            </a:schemeClr>
-          </a:solidFill>
-          <a:ln>
-            <a:noFill/>
-          </a:ln>
-        </p:spPr>
-        <p:style>
-          <a:lnRef idx="2">
-            <a:schemeClr val="accent1">
-              <a:shade val="50000"/>
-            </a:schemeClr>
-          </a:lnRef>
-          <a:fillRef idx="1">
-            <a:schemeClr val="accent1"/>
-          </a:fillRef>
-          <a:effectRef idx="0">
-            <a:schemeClr val="accent1"/>
-          </a:effectRef>
-          <a:fontRef idx="minor">
-            <a:schemeClr val="lt1"/>
-          </a:fontRef>
-        </p:style>
-        <p:txBody>
-          <a:bodyPr rtlCol="0" anchor="ctr"/>
-          <a:lstStyle/>
-          <a:p>
-            <a:pPr algn="ctr"/>
-            <a:r>
-              <a:rPr lang="en-US" altLang="ja-JP" sz="1600" dirty="0" smtClean="0">
-                <a:solidFill>
-                  <a:schemeClr val="tx1">
-                    <a:lumMod val="75000"/>
-                    <a:lumOff val="25000"/>
-                  </a:schemeClr>
-                </a:solidFill>
-                <a:latin typeface="HGP創英角ｺﾞｼｯｸUB" panose="020B0900000000000000" pitchFamily="50" charset="-128"/>
-                <a:ea typeface="HGP創英角ｺﾞｼｯｸUB" panose="020B0900000000000000" pitchFamily="50" charset="-128"/>
-              </a:rPr>
-              <a:t>Authentication</a:t>
-            </a:r>
-          </a:p>
-          <a:p>
-            <a:pPr algn="ctr"/>
-            <a:r>
-              <a:rPr lang="en-US" altLang="ja-JP" sz="1600" dirty="0" smtClean="0">
-                <a:solidFill>
-                  <a:schemeClr val="tx1">
-                    <a:lumMod val="75000"/>
-                    <a:lumOff val="25000"/>
-                  </a:schemeClr>
-                </a:solidFill>
-                <a:latin typeface="HGP創英角ｺﾞｼｯｸUB" panose="020B0900000000000000" pitchFamily="50" charset="-128"/>
-                <a:ea typeface="HGP創英角ｺﾞｼｯｸUB" panose="020B0900000000000000" pitchFamily="50" charset="-128"/>
-              </a:rPr>
-              <a:t>Information</a:t>
-            </a:r>
-            <a:endParaRPr lang="en-US" altLang="ja-JP" sz="1600" dirty="0">
-              <a:solidFill>
-                <a:schemeClr val="tx1">
-                  <a:lumMod val="75000"/>
-                  <a:lumOff val="25000"/>
-                </a:schemeClr>
-              </a:solidFill>
-              <a:latin typeface="HGP創英角ｺﾞｼｯｸUB" panose="020B0900000000000000" pitchFamily="50" charset="-128"/>
-              <a:ea typeface="HGP創英角ｺﾞｼｯｸUB" panose="020B0900000000000000" pitchFamily="50" charset="-128"/>
-            </a:endParaRPr>
-          </a:p>
-        </p:txBody>
-      </p:sp>
       <p:cxnSp>
         <p:nvCxnSpPr>
           <p:cNvPr id="51" name="直線矢印コネクタ 50"/>
@@ -11562,8 +11514,8 @@
         </p:nvCxnSpPr>
         <p:spPr bwMode="invGray">
           <a:xfrm flipH="1">
-            <a:off x="2423680" y="2056917"/>
-            <a:ext cx="1212216" cy="507987"/>
+            <a:off x="2467112" y="1744241"/>
+            <a:ext cx="1212216" cy="648072"/>
           </a:xfrm>
           <a:prstGeom prst="straightConnector1">
             <a:avLst/>
@@ -11596,101 +11548,14 @@
       </p:cxnSp>
       <p:sp>
         <p:nvSpPr>
-          <p:cNvPr id="53" name="正方形/長方形 52"/>
-          <p:cNvSpPr/>
-          <p:nvPr/>
-        </p:nvSpPr>
-        <p:spPr>
-          <a:xfrm>
-            <a:off x="2581477" y="2387564"/>
-            <a:ext cx="1604024" cy="489415"/>
-          </a:xfrm>
-          <a:prstGeom prst="rect">
-            <a:avLst/>
-          </a:prstGeom>
-          <a:solidFill>
-            <a:schemeClr val="accent6">
-              <a:lumMod val="60000"/>
-              <a:lumOff val="40000"/>
-            </a:schemeClr>
-          </a:solidFill>
-          <a:ln>
-            <a:noFill/>
-          </a:ln>
-        </p:spPr>
-        <p:style>
-          <a:lnRef idx="2">
-            <a:schemeClr val="accent1">
-              <a:shade val="50000"/>
-            </a:schemeClr>
-          </a:lnRef>
-          <a:fillRef idx="1">
-            <a:schemeClr val="accent1"/>
-          </a:fillRef>
-          <a:effectRef idx="0">
-            <a:schemeClr val="accent1"/>
-          </a:effectRef>
-          <a:fontRef idx="minor">
-            <a:schemeClr val="lt1"/>
-          </a:fontRef>
-        </p:style>
-        <p:txBody>
-          <a:bodyPr rtlCol="0" anchor="ctr"/>
-          <a:lstStyle/>
-          <a:p>
-            <a:pPr algn="ctr"/>
-            <a:r>
-              <a:rPr lang="en-US" altLang="ja-JP" sz="1600" dirty="0">
-                <a:solidFill>
-                  <a:schemeClr val="tx1">
-                    <a:lumMod val="75000"/>
-                    <a:lumOff val="25000"/>
-                  </a:schemeClr>
-                </a:solidFill>
-                <a:latin typeface="HGP創英角ｺﾞｼｯｸUB" panose="020B0900000000000000" pitchFamily="50" charset="-128"/>
-                <a:ea typeface="HGP創英角ｺﾞｼｯｸUB" panose="020B0900000000000000" pitchFamily="50" charset="-128"/>
-              </a:rPr>
-              <a:t>Authentication</a:t>
-            </a:r>
-          </a:p>
-          <a:p>
-            <a:pPr algn="ctr"/>
-            <a:r>
-              <a:rPr lang="en-US" altLang="ja-JP" sz="1600" dirty="0" smtClean="0">
-                <a:solidFill>
-                  <a:schemeClr val="tx1">
-                    <a:lumMod val="75000"/>
-                    <a:lumOff val="25000"/>
-                  </a:schemeClr>
-                </a:solidFill>
-                <a:latin typeface="HGP創英角ｺﾞｼｯｸUB" panose="020B0900000000000000" pitchFamily="50" charset="-128"/>
-                <a:ea typeface="HGP創英角ｺﾞｼｯｸUB" panose="020B0900000000000000" pitchFamily="50" charset="-128"/>
-              </a:rPr>
-              <a:t>Exception</a:t>
-            </a:r>
-            <a:endParaRPr lang="en-US" altLang="ja-JP" sz="1600" dirty="0">
-              <a:solidFill>
-                <a:schemeClr val="tx1">
-                  <a:lumMod val="75000"/>
-                  <a:lumOff val="25000"/>
-                </a:schemeClr>
-              </a:solidFill>
-              <a:latin typeface="HGP創英角ｺﾞｼｯｸUB" panose="020B0900000000000000" pitchFamily="50" charset="-128"/>
-              <a:ea typeface="HGP創英角ｺﾞｼｯｸUB" panose="020B0900000000000000" pitchFamily="50" charset="-128"/>
-            </a:endParaRPr>
-          </a:p>
-        </p:txBody>
-      </p:sp>
-      <p:sp>
-        <p:nvSpPr>
           <p:cNvPr id="54" name="正方形/長方形 53"/>
           <p:cNvSpPr/>
           <p:nvPr/>
         </p:nvSpPr>
         <p:spPr>
           <a:xfrm>
-            <a:off x="938833" y="3645024"/>
-            <a:ext cx="4389943" cy="3024336"/>
+            <a:off x="876349" y="3400425"/>
+            <a:ext cx="4847779" cy="3384376"/>
           </a:xfrm>
           <a:prstGeom prst="rect">
             <a:avLst/>
@@ -11749,7 +11614,7 @@
         </p:nvSpPr>
         <p:spPr>
           <a:xfrm rot="19466574">
-            <a:off x="1523654" y="731319"/>
+            <a:off x="1339142" y="558728"/>
             <a:ext cx="822463" cy="530485"/>
           </a:xfrm>
           <a:prstGeom prst="corner">
@@ -11796,7 +11661,7 @@
         </p:nvSpPr>
         <p:spPr>
           <a:xfrm>
-            <a:off x="903906" y="1909856"/>
+            <a:off x="815193" y="1862085"/>
             <a:ext cx="1928031" cy="890268"/>
           </a:xfrm>
           <a:prstGeom prst="irregularSeal2">
@@ -11864,8 +11729,8 @@
         </p:nvSpPr>
         <p:spPr>
           <a:xfrm>
-            <a:off x="1131710" y="342066"/>
-            <a:ext cx="1449767" cy="489415"/>
+            <a:off x="977055" y="169475"/>
+            <a:ext cx="1616647" cy="489415"/>
           </a:xfrm>
           <a:prstGeom prst="rect">
             <a:avLst/>
@@ -11897,7 +11762,7 @@
           <a:p>
             <a:pPr algn="ctr"/>
             <a:r>
-              <a:rPr lang="en-US" altLang="ja-JP" sz="1600" dirty="0" smtClean="0">
+              <a:rPr lang="en-US" altLang="ja-JP" sz="1600" dirty="0">
                 <a:solidFill>
                   <a:schemeClr val="tx1">
                     <a:lumMod val="75000"/>
@@ -11910,7 +11775,7 @@
               <a:t>Authentication </a:t>
             </a:r>
             <a:r>
-              <a:rPr lang="en-US" altLang="ja-JP" sz="1600" dirty="0" err="1" smtClean="0">
+              <a:rPr lang="en-US" altLang="ja-JP" sz="1600" dirty="0" err="1">
                 <a:solidFill>
                   <a:schemeClr val="tx1">
                     <a:lumMod val="75000"/>
@@ -11943,8 +11808,8 @@
         </p:nvSpPr>
         <p:spPr>
           <a:xfrm>
-            <a:off x="1131710" y="4077072"/>
-            <a:ext cx="1709047" cy="897632"/>
+            <a:off x="1113357" y="3574472"/>
+            <a:ext cx="1925595" cy="795172"/>
           </a:xfrm>
           <a:prstGeom prst="rect">
             <a:avLst/>
@@ -11987,28 +11852,38 @@
               </a:rPr>
               <a:t>&lt;interface&gt; </a:t>
             </a:r>
-            <a:r>
-              <a:rPr lang="en-US" altLang="ja-JP" dirty="0">
+          </a:p>
+          <a:p>
+            <a:pPr algn="ctr"/>
+            <a:r>
+              <a:rPr lang="en-US" altLang="ja-JP" dirty="0" err="1" smtClean="0">
                 <a:solidFill>
                   <a:schemeClr val="bg1"/>
                 </a:solidFill>
                 <a:latin typeface="HGP創英角ｺﾞｼｯｸUB" panose="020B0900000000000000" pitchFamily="50" charset="-128"/>
                 <a:ea typeface="HGP創英角ｺﾞｼｯｸUB" panose="020B0900000000000000" pitchFamily="50" charset="-128"/>
               </a:rPr>
-              <a:t>Application</a:t>
-            </a:r>
+              <a:t>ApplicationEvent</a:t>
+            </a:r>
+            <a:endParaRPr lang="en-US" altLang="ja-JP" dirty="0" smtClean="0">
+              <a:solidFill>
+                <a:schemeClr val="bg1"/>
+              </a:solidFill>
+              <a:latin typeface="HGP創英角ｺﾞｼｯｸUB" panose="020B0900000000000000" pitchFamily="50" charset="-128"/>
+              <a:ea typeface="HGP創英角ｺﾞｼｯｸUB" panose="020B0900000000000000" pitchFamily="50" charset="-128"/>
+            </a:endParaRPr>
           </a:p>
           <a:p>
             <a:pPr algn="ctr"/>
             <a:r>
-              <a:rPr lang="en-US" altLang="ja-JP" dirty="0" err="1">
+              <a:rPr lang="en-US" altLang="ja-JP" dirty="0" smtClean="0">
                 <a:solidFill>
                   <a:schemeClr val="bg1"/>
                 </a:solidFill>
                 <a:latin typeface="HGP創英角ｺﾞｼｯｸUB" panose="020B0900000000000000" pitchFamily="50" charset="-128"/>
                 <a:ea typeface="HGP創英角ｺﾞｼｯｸUB" panose="020B0900000000000000" pitchFamily="50" charset="-128"/>
               </a:rPr>
-              <a:t>EventPublisher</a:t>
+              <a:t>Publisher</a:t>
             </a:r>
             <a:endParaRPr lang="en-US" altLang="ja-JP" dirty="0">
               <a:solidFill>
@@ -12028,8 +11903,8 @@
         </p:nvSpPr>
         <p:spPr>
           <a:xfrm>
-            <a:off x="1131710" y="5005943"/>
-            <a:ext cx="1709047" cy="584151"/>
+            <a:off x="1113357" y="4407745"/>
+            <a:ext cx="1925595" cy="637771"/>
           </a:xfrm>
           <a:prstGeom prst="rect">
             <a:avLst/>
@@ -12063,7 +11938,7 @@
           <a:p>
             <a:pPr algn="ctr"/>
             <a:r>
-              <a:rPr lang="en-US" altLang="ja-JP" dirty="0" smtClean="0">
+              <a:rPr lang="en-US" altLang="ja-JP" dirty="0">
                 <a:solidFill>
                   <a:schemeClr val="bg1"/>
                 </a:solidFill>
@@ -12072,13 +11947,6 @@
               </a:rPr>
               <a:t>Implementation Class </a:t>
             </a:r>
-            <a:endParaRPr lang="en-US" altLang="ja-JP" dirty="0">
-              <a:solidFill>
-                <a:schemeClr val="bg1"/>
-              </a:solidFill>
-              <a:latin typeface="HGP創英角ｺﾞｼｯｸUB" panose="020B0900000000000000" pitchFamily="50" charset="-128"/>
-              <a:ea typeface="HGP創英角ｺﾞｼｯｸUB" panose="020B0900000000000000" pitchFamily="50" charset="-128"/>
-            </a:endParaRPr>
           </a:p>
         </p:txBody>
       </p:sp>
@@ -12093,12 +11961,12 @@
         </p:nvCxnSpPr>
         <p:spPr bwMode="invGray">
           <a:xfrm rot="5400000" flipH="1" flipV="1">
-            <a:off x="3689464" y="640670"/>
-            <a:ext cx="1733173" cy="5139632"/>
+            <a:off x="3938562" y="308901"/>
+            <a:ext cx="1403164" cy="5127979"/>
           </a:xfrm>
           <a:prstGeom prst="bentConnector3">
             <a:avLst>
-              <a:gd name="adj1" fmla="val 58244"/>
+              <a:gd name="adj1" fmla="val 50000"/>
             </a:avLst>
           </a:prstGeom>
           <a:ln w="50800">
@@ -12135,8 +12003,8 @@
         </p:nvSpPr>
         <p:spPr>
           <a:xfrm>
-            <a:off x="3696756" y="4115544"/>
-            <a:ext cx="1444065" cy="897632"/>
+            <a:off x="3569221" y="3870945"/>
+            <a:ext cx="1840904" cy="609599"/>
           </a:xfrm>
           <a:prstGeom prst="rect">
             <a:avLst/>
@@ -12179,29 +12047,33 @@
               </a:rPr>
               <a:t>&lt;interface&gt; </a:t>
             </a:r>
-            <a:r>
-              <a:rPr lang="en-US" altLang="ja-JP" dirty="0">
+            <a:endParaRPr lang="en-US" altLang="ja-JP" sz="1100" dirty="0" smtClean="0">
+              <a:solidFill>
+                <a:schemeClr val="bg1"/>
+              </a:solidFill>
+              <a:latin typeface="HGP創英角ｺﾞｼｯｸUB" panose="020B0900000000000000" pitchFamily="50" charset="-128"/>
+              <a:ea typeface="HGP創英角ｺﾞｼｯｸUB" panose="020B0900000000000000" pitchFamily="50" charset="-128"/>
+            </a:endParaRPr>
+          </a:p>
+          <a:p>
+            <a:pPr algn="ctr"/>
+            <a:r>
+              <a:rPr lang="en-US" altLang="ja-JP" dirty="0" err="1" smtClean="0">
                 <a:solidFill>
                   <a:schemeClr val="bg1"/>
                 </a:solidFill>
                 <a:latin typeface="HGP創英角ｺﾞｼｯｸUB" panose="020B0900000000000000" pitchFamily="50" charset="-128"/>
                 <a:ea typeface="HGP創英角ｺﾞｼｯｸUB" panose="020B0900000000000000" pitchFamily="50" charset="-128"/>
               </a:rPr>
-              <a:t>Application</a:t>
-            </a:r>
-          </a:p>
-          <a:p>
-            <a:pPr algn="ctr"/>
-            <a:r>
-              <a:rPr lang="en-US" altLang="ja-JP" dirty="0">
-                <a:solidFill>
-                  <a:schemeClr val="bg1"/>
-                </a:solidFill>
-                <a:latin typeface="HGP創英角ｺﾞｼｯｸUB" panose="020B0900000000000000" pitchFamily="50" charset="-128"/>
-                <a:ea typeface="HGP創英角ｺﾞｼｯｸUB" panose="020B0900000000000000" pitchFamily="50" charset="-128"/>
-              </a:rPr>
-              <a:t>Event</a:t>
-            </a:r>
+              <a:t>ApplicationEvent</a:t>
+            </a:r>
+            <a:endParaRPr lang="en-US" altLang="ja-JP" dirty="0">
+              <a:solidFill>
+                <a:schemeClr val="bg1"/>
+              </a:solidFill>
+              <a:latin typeface="HGP創英角ｺﾞｼｯｸUB" panose="020B0900000000000000" pitchFamily="50" charset="-128"/>
+              <a:ea typeface="HGP創英角ｺﾞｼｯｸUB" panose="020B0900000000000000" pitchFamily="50" charset="-128"/>
+            </a:endParaRPr>
           </a:p>
         </p:txBody>
       </p:sp>
@@ -12213,7 +12085,7 @@
         </p:nvSpPr>
         <p:spPr>
           <a:xfrm>
-            <a:off x="4290588" y="2564904"/>
+            <a:off x="4253110" y="2392313"/>
             <a:ext cx="1135386" cy="489415"/>
           </a:xfrm>
           <a:prstGeom prst="rect">
@@ -12271,7 +12143,7 @@
         </p:nvSpPr>
         <p:spPr>
           <a:xfrm>
-            <a:off x="4434764" y="2646681"/>
+            <a:off x="4378432" y="2483517"/>
             <a:ext cx="1135386" cy="489415"/>
           </a:xfrm>
           <a:prstGeom prst="rect">
@@ -12329,7 +12201,7 @@
         </p:nvSpPr>
         <p:spPr>
           <a:xfrm>
-            <a:off x="4559926" y="2728116"/>
+            <a:off x="4522448" y="2555525"/>
             <a:ext cx="1135386" cy="489415"/>
           </a:xfrm>
           <a:prstGeom prst="rect">
@@ -12387,7 +12259,7 @@
         </p:nvSpPr>
         <p:spPr>
           <a:xfrm>
-            <a:off x="4717659" y="2800124"/>
+            <a:off x="4680181" y="2627533"/>
             <a:ext cx="1135386" cy="489415"/>
           </a:xfrm>
           <a:prstGeom prst="rect">
@@ -12437,101 +12309,6 @@
           </a:p>
         </p:txBody>
       </p:sp>
-      <p:sp>
-        <p:nvSpPr>
-          <p:cNvPr id="78" name="正方形/長方形 77"/>
-          <p:cNvSpPr/>
-          <p:nvPr/>
-        </p:nvSpPr>
-        <p:spPr>
-          <a:xfrm>
-            <a:off x="4331480" y="2746774"/>
-            <a:ext cx="1532497" cy="489415"/>
-          </a:xfrm>
-          <a:prstGeom prst="rect">
-            <a:avLst/>
-          </a:prstGeom>
-          <a:noFill/>
-          <a:ln>
-            <a:noFill/>
-          </a:ln>
-        </p:spPr>
-        <p:style>
-          <a:lnRef idx="2">
-            <a:schemeClr val="accent1">
-              <a:shade val="50000"/>
-            </a:schemeClr>
-          </a:lnRef>
-          <a:fillRef idx="1">
-            <a:schemeClr val="accent1"/>
-          </a:fillRef>
-          <a:effectRef idx="0">
-            <a:schemeClr val="accent1"/>
-          </a:effectRef>
-          <a:fontRef idx="minor">
-            <a:schemeClr val="lt1"/>
-          </a:fontRef>
-        </p:style>
-        <p:txBody>
-          <a:bodyPr rtlCol="0" anchor="ctr"/>
-          <a:lstStyle/>
-          <a:p>
-            <a:pPr algn="ctr"/>
-            <a:r>
-              <a:rPr lang="en-US" altLang="ja-JP" sz="1600" dirty="0">
-                <a:solidFill>
-                  <a:schemeClr val="tx1">
-                    <a:lumMod val="75000"/>
-                    <a:lumOff val="25000"/>
-                  </a:schemeClr>
-                </a:solidFill>
-                <a:latin typeface="HGP創英角ｺﾞｼｯｸUB" panose="020B0900000000000000" pitchFamily="50" charset="-128"/>
-                <a:ea typeface="HGP創英角ｺﾞｼｯｸUB" panose="020B0900000000000000" pitchFamily="50" charset="-128"/>
-              </a:rPr>
-              <a:t>Authentication</a:t>
-            </a:r>
-          </a:p>
-          <a:p>
-            <a:pPr algn="ctr"/>
-            <a:r>
-              <a:rPr lang="en-US" altLang="ja-JP" sz="1600" dirty="0">
-                <a:solidFill>
-                  <a:schemeClr val="tx1">
-                    <a:lumMod val="75000"/>
-                    <a:lumOff val="25000"/>
-                  </a:schemeClr>
-                </a:solidFill>
-                <a:latin typeface="HGP創英角ｺﾞｼｯｸUB" panose="020B0900000000000000" pitchFamily="50" charset="-128"/>
-                <a:ea typeface="HGP創英角ｺﾞｼｯｸUB" panose="020B0900000000000000" pitchFamily="50" charset="-128"/>
-              </a:rPr>
-              <a:t>E</a:t>
-            </a:r>
-            <a:r>
-              <a:rPr lang="en-US" altLang="ja-JP" sz="1600" dirty="0" smtClean="0">
-                <a:solidFill>
-                  <a:schemeClr val="tx1">
-                    <a:lumMod val="75000"/>
-                    <a:lumOff val="25000"/>
-                  </a:schemeClr>
-                </a:solidFill>
-                <a:latin typeface="HGP創英角ｺﾞｼｯｸUB" panose="020B0900000000000000" pitchFamily="50" charset="-128"/>
-                <a:ea typeface="HGP創英角ｺﾞｼｯｸUB" panose="020B0900000000000000" pitchFamily="50" charset="-128"/>
-              </a:rPr>
-              <a:t>vent</a:t>
-            </a:r>
-            <a:endParaRPr lang="en-US" altLang="ja-JP" sz="1600" dirty="0">
-              <a:solidFill>
-                <a:schemeClr val="tx1">
-                  <a:lumMod val="75000"/>
-                  <a:lumOff val="25000"/>
-                </a:schemeClr>
-              </a:solidFill>
-              <a:latin typeface="HGP創英角ｺﾞｼｯｸUB" panose="020B0900000000000000" pitchFamily="50" charset="-128"/>
-              <a:ea typeface="HGP創英角ｺﾞｼｯｸUB" panose="020B0900000000000000" pitchFamily="50" charset="-128"/>
-            </a:endParaRPr>
-          </a:p>
-        </p:txBody>
-      </p:sp>
       <p:cxnSp>
         <p:nvCxnSpPr>
           <p:cNvPr id="79" name="直線矢印コネクタ 73"/>
@@ -12540,8 +12317,8 @@
         </p:nvCxnSpPr>
         <p:spPr bwMode="invGray">
           <a:xfrm>
-            <a:off x="4890128" y="3289539"/>
-            <a:ext cx="0" cy="826005"/>
+            <a:off x="4870673" y="3116948"/>
+            <a:ext cx="0" cy="753997"/>
           </a:xfrm>
           <a:prstGeom prst="straightConnector1">
             <a:avLst/>
@@ -12581,8 +12358,8 @@
         </p:nvSpPr>
         <p:spPr>
           <a:xfrm>
-            <a:off x="3447329" y="5301208"/>
-            <a:ext cx="1709047" cy="897632"/>
+            <a:off x="3252613" y="4879265"/>
+            <a:ext cx="2240150" cy="616857"/>
           </a:xfrm>
           <a:prstGeom prst="rect">
             <a:avLst/>
@@ -12625,29 +12402,26 @@
               </a:rPr>
               <a:t>&lt;interface&gt; </a:t>
             </a:r>
-            <a:r>
-              <a:rPr lang="en-US" altLang="ja-JP" dirty="0">
+          </a:p>
+          <a:p>
+            <a:pPr algn="ctr"/>
+            <a:r>
+              <a:rPr lang="en-US" altLang="ja-JP" dirty="0" err="1" smtClean="0">
                 <a:solidFill>
                   <a:schemeClr val="bg1"/>
                 </a:solidFill>
                 <a:latin typeface="HGP創英角ｺﾞｼｯｸUB" panose="020B0900000000000000" pitchFamily="50" charset="-128"/>
                 <a:ea typeface="HGP創英角ｺﾞｼｯｸUB" panose="020B0900000000000000" pitchFamily="50" charset="-128"/>
               </a:rPr>
-              <a:t>Application</a:t>
-            </a:r>
-          </a:p>
-          <a:p>
-            <a:pPr algn="ctr"/>
-            <a:r>
-              <a:rPr lang="en-US" altLang="ja-JP" dirty="0">
-                <a:solidFill>
-                  <a:schemeClr val="bg1"/>
-                </a:solidFill>
-                <a:latin typeface="HGP創英角ｺﾞｼｯｸUB" panose="020B0900000000000000" pitchFamily="50" charset="-128"/>
-                <a:ea typeface="HGP創英角ｺﾞｼｯｸUB" panose="020B0900000000000000" pitchFamily="50" charset="-128"/>
-              </a:rPr>
-              <a:t>Listener</a:t>
-            </a:r>
+              <a:t>ApplicationListener</a:t>
+            </a:r>
+            <a:endParaRPr lang="en-US" altLang="ja-JP" dirty="0">
+              <a:solidFill>
+                <a:schemeClr val="bg1"/>
+              </a:solidFill>
+              <a:latin typeface="HGP創英角ｺﾞｼｯｸUB" panose="020B0900000000000000" pitchFamily="50" charset="-128"/>
+              <a:ea typeface="HGP創英角ｺﾞｼｯｸUB" panose="020B0900000000000000" pitchFamily="50" charset="-128"/>
+            </a:endParaRPr>
           </a:p>
         </p:txBody>
       </p:sp>
@@ -12662,8 +12436,8 @@
         </p:nvCxnSpPr>
         <p:spPr bwMode="invGray">
           <a:xfrm rot="10800000">
-            <a:off x="1986235" y="5590094"/>
-            <a:ext cx="1461095" cy="159930"/>
+            <a:off x="2076155" y="5045516"/>
+            <a:ext cx="1176458" cy="142178"/>
           </a:xfrm>
           <a:prstGeom prst="bentConnector2">
             <a:avLst/>
@@ -12696,14 +12470,280 @@
       </p:cxnSp>
       <p:sp>
         <p:nvSpPr>
-          <p:cNvPr id="84" name="正方形/長方形 83"/>
+          <p:cNvPr id="98" name="テキスト ボックス 97"/>
+          <p:cNvSpPr txBox="1"/>
+          <p:nvPr/>
+        </p:nvSpPr>
+        <p:spPr>
+          <a:xfrm>
+            <a:off x="2699791" y="1394086"/>
+            <a:ext cx="723275" cy="461665"/>
+          </a:xfrm>
+          <a:prstGeom prst="rect">
+            <a:avLst/>
+          </a:prstGeom>
+          <a:noFill/>
+        </p:spPr>
+        <p:txBody>
+          <a:bodyPr wrap="none" rtlCol="0">
+            <a:spAutoFit/>
+          </a:bodyPr>
+          <a:lstStyle/>
+          <a:p>
+            <a:r>
+              <a:rPr kumimoji="1" lang="ja-JP" altLang="en-US" sz="2400" dirty="0" smtClean="0">
+                <a:solidFill>
+                  <a:schemeClr val="tx1">
+                    <a:lumMod val="65000"/>
+                    <a:lumOff val="35000"/>
+                  </a:schemeClr>
+                </a:solidFill>
+                <a:latin typeface="HGP創英角ｺﾞｼｯｸUB" panose="020B0900000000000000" pitchFamily="50" charset="-128"/>
+                <a:ea typeface="HGP創英角ｺﾞｼｯｸUB" panose="020B0900000000000000" pitchFamily="50" charset="-128"/>
+              </a:rPr>
+              <a:t>（１）</a:t>
+            </a:r>
+            <a:endParaRPr kumimoji="1" lang="ja-JP" altLang="en-US" sz="2400" dirty="0">
+              <a:solidFill>
+                <a:schemeClr val="tx1">
+                  <a:lumMod val="65000"/>
+                  <a:lumOff val="35000"/>
+                </a:schemeClr>
+              </a:solidFill>
+              <a:latin typeface="HGP創英角ｺﾞｼｯｸUB" panose="020B0900000000000000" pitchFamily="50" charset="-128"/>
+              <a:ea typeface="HGP創英角ｺﾞｼｯｸUB" panose="020B0900000000000000" pitchFamily="50" charset="-128"/>
+            </a:endParaRPr>
+          </a:p>
+        </p:txBody>
+      </p:sp>
+      <p:sp>
+        <p:nvSpPr>
+          <p:cNvPr id="99" name="テキスト ボックス 98"/>
+          <p:cNvSpPr txBox="1"/>
+          <p:nvPr/>
+        </p:nvSpPr>
+        <p:spPr>
+          <a:xfrm>
+            <a:off x="5894150" y="2396700"/>
+            <a:ext cx="723275" cy="461665"/>
+          </a:xfrm>
+          <a:prstGeom prst="rect">
+            <a:avLst/>
+          </a:prstGeom>
+          <a:noFill/>
+        </p:spPr>
+        <p:txBody>
+          <a:bodyPr wrap="none" rtlCol="0">
+            <a:spAutoFit/>
+          </a:bodyPr>
+          <a:lstStyle/>
+          <a:p>
+            <a:r>
+              <a:rPr kumimoji="1" lang="ja-JP" altLang="en-US" sz="2400" dirty="0" smtClean="0">
+                <a:solidFill>
+                  <a:schemeClr val="tx1">
+                    <a:lumMod val="65000"/>
+                    <a:lumOff val="35000"/>
+                  </a:schemeClr>
+                </a:solidFill>
+                <a:latin typeface="HGP創英角ｺﾞｼｯｸUB" panose="020B0900000000000000" pitchFamily="50" charset="-128"/>
+                <a:ea typeface="HGP創英角ｺﾞｼｯｸUB" panose="020B0900000000000000" pitchFamily="50" charset="-128"/>
+              </a:rPr>
+              <a:t>（２）</a:t>
+            </a:r>
+            <a:endParaRPr kumimoji="1" lang="ja-JP" altLang="en-US" sz="2400" dirty="0">
+              <a:solidFill>
+                <a:schemeClr val="tx1">
+                  <a:lumMod val="65000"/>
+                  <a:lumOff val="35000"/>
+                </a:schemeClr>
+              </a:solidFill>
+              <a:latin typeface="HGP創英角ｺﾞｼｯｸUB" panose="020B0900000000000000" pitchFamily="50" charset="-128"/>
+              <a:ea typeface="HGP創英角ｺﾞｼｯｸUB" panose="020B0900000000000000" pitchFamily="50" charset="-128"/>
+            </a:endParaRPr>
+          </a:p>
+        </p:txBody>
+      </p:sp>
+      <p:sp>
+        <p:nvSpPr>
+          <p:cNvPr id="100" name="テキスト ボックス 99"/>
+          <p:cNvSpPr txBox="1"/>
+          <p:nvPr/>
+        </p:nvSpPr>
+        <p:spPr>
+          <a:xfrm>
+            <a:off x="1976516" y="5104283"/>
+            <a:ext cx="723275" cy="461665"/>
+          </a:xfrm>
+          <a:prstGeom prst="rect">
+            <a:avLst/>
+          </a:prstGeom>
+          <a:noFill/>
+        </p:spPr>
+        <p:txBody>
+          <a:bodyPr wrap="none" rtlCol="0">
+            <a:spAutoFit/>
+          </a:bodyPr>
+          <a:lstStyle/>
+          <a:p>
+            <a:r>
+              <a:rPr kumimoji="1" lang="ja-JP" altLang="en-US" sz="2400" dirty="0" smtClean="0">
+                <a:solidFill>
+                  <a:schemeClr val="tx1">
+                    <a:lumMod val="65000"/>
+                    <a:lumOff val="35000"/>
+                  </a:schemeClr>
+                </a:solidFill>
+                <a:latin typeface="HGP創英角ｺﾞｼｯｸUB" panose="020B0900000000000000" pitchFamily="50" charset="-128"/>
+                <a:ea typeface="HGP創英角ｺﾞｼｯｸUB" panose="020B0900000000000000" pitchFamily="50" charset="-128"/>
+              </a:rPr>
+              <a:t>（３）</a:t>
+            </a:r>
+            <a:endParaRPr kumimoji="1" lang="ja-JP" altLang="en-US" sz="2400" dirty="0">
+              <a:solidFill>
+                <a:schemeClr val="tx1">
+                  <a:lumMod val="65000"/>
+                  <a:lumOff val="35000"/>
+                </a:schemeClr>
+              </a:solidFill>
+              <a:latin typeface="HGP創英角ｺﾞｼｯｸUB" panose="020B0900000000000000" pitchFamily="50" charset="-128"/>
+              <a:ea typeface="HGP創英角ｺﾞｼｯｸUB" panose="020B0900000000000000" pitchFamily="50" charset="-128"/>
+            </a:endParaRPr>
+          </a:p>
+        </p:txBody>
+      </p:sp>
+      <p:sp>
+        <p:nvSpPr>
+          <p:cNvPr id="39" name="正方形/長方形 38"/>
           <p:cNvSpPr/>
           <p:nvPr/>
         </p:nvSpPr>
         <p:spPr>
           <a:xfrm>
-            <a:off x="6672247" y="5264352"/>
-            <a:ext cx="1629867" cy="974823"/>
+            <a:off x="3252614" y="5536862"/>
+            <a:ext cx="2254228" cy="945380"/>
+          </a:xfrm>
+          <a:prstGeom prst="rect">
+            <a:avLst/>
+          </a:prstGeom>
+          <a:solidFill>
+            <a:srgbClr val="92D050"/>
+          </a:solidFill>
+          <a:ln>
+            <a:noFill/>
+          </a:ln>
+        </p:spPr>
+        <p:style>
+          <a:lnRef idx="2">
+            <a:schemeClr val="accent1">
+              <a:shade val="50000"/>
+            </a:schemeClr>
+          </a:lnRef>
+          <a:fillRef idx="1">
+            <a:schemeClr val="accent1"/>
+          </a:fillRef>
+          <a:effectRef idx="0">
+            <a:schemeClr val="accent1"/>
+          </a:effectRef>
+          <a:fontRef idx="minor">
+            <a:schemeClr val="lt1"/>
+          </a:fontRef>
+        </p:style>
+        <p:txBody>
+          <a:bodyPr rtlCol="0" anchor="ctr"/>
+          <a:lstStyle/>
+          <a:p>
+            <a:pPr algn="ctr"/>
+            <a:r>
+              <a:rPr lang="en-US" altLang="ja-JP" dirty="0" err="1" smtClean="0">
+                <a:solidFill>
+                  <a:schemeClr val="bg1"/>
+                </a:solidFill>
+                <a:latin typeface="HGP創英角ｺﾞｼｯｸUB" panose="020B0900000000000000" pitchFamily="50" charset="-128"/>
+                <a:ea typeface="HGP創英角ｺﾞｼｯｸUB" panose="020B0900000000000000" pitchFamily="50" charset="-128"/>
+              </a:rPr>
+              <a:t>ApplicationListener</a:t>
+            </a:r>
+            <a:endParaRPr lang="en-US" altLang="ja-JP" dirty="0" smtClean="0">
+              <a:solidFill>
+                <a:schemeClr val="bg1"/>
+              </a:solidFill>
+              <a:latin typeface="HGP創英角ｺﾞｼｯｸUB" panose="020B0900000000000000" pitchFamily="50" charset="-128"/>
+              <a:ea typeface="HGP創英角ｺﾞｼｯｸUB" panose="020B0900000000000000" pitchFamily="50" charset="-128"/>
+            </a:endParaRPr>
+          </a:p>
+          <a:p>
+            <a:pPr algn="ctr"/>
+            <a:r>
+              <a:rPr lang="en-US" altLang="ja-JP" dirty="0" err="1" smtClean="0">
+                <a:solidFill>
+                  <a:schemeClr val="bg1"/>
+                </a:solidFill>
+                <a:latin typeface="HGP創英角ｺﾞｼｯｸUB" panose="020B0900000000000000" pitchFamily="50" charset="-128"/>
+                <a:ea typeface="HGP創英角ｺﾞｼｯｸUB" panose="020B0900000000000000" pitchFamily="50" charset="-128"/>
+              </a:rPr>
+              <a:t>MethodAdapter</a:t>
+            </a:r>
+            <a:endParaRPr lang="en-US" altLang="ja-JP" dirty="0" smtClean="0">
+              <a:solidFill>
+                <a:schemeClr val="bg1"/>
+              </a:solidFill>
+              <a:latin typeface="HGP創英角ｺﾞｼｯｸUB" panose="020B0900000000000000" pitchFamily="50" charset="-128"/>
+              <a:ea typeface="HGP創英角ｺﾞｼｯｸUB" panose="020B0900000000000000" pitchFamily="50" charset="-128"/>
+            </a:endParaRPr>
+          </a:p>
+          <a:p>
+            <a:pPr algn="ctr"/>
+            <a:r>
+              <a:rPr lang="en-US" altLang="ja-JP" dirty="0" smtClean="0">
+                <a:solidFill>
+                  <a:schemeClr val="bg1"/>
+                </a:solidFill>
+                <a:latin typeface="HGP創英角ｺﾞｼｯｸUB" panose="020B0900000000000000" pitchFamily="50" charset="-128"/>
+                <a:ea typeface="HGP創英角ｺﾞｼｯｸUB" panose="020B0900000000000000" pitchFamily="50" charset="-128"/>
+              </a:rPr>
+              <a:t>(</a:t>
+            </a:r>
+            <a:r>
+              <a:rPr lang="en-US" altLang="ja-JP" dirty="0" smtClean="0">
+                <a:solidFill>
+                  <a:schemeClr val="bg1"/>
+                </a:solidFill>
+                <a:latin typeface="HGP創英角ｺﾞｼｯｸUB" panose="020B0900000000000000" pitchFamily="50" charset="-128"/>
+                <a:ea typeface="HGP創英角ｺﾞｼｯｸUB" panose="020B0900000000000000" pitchFamily="50" charset="-128"/>
+              </a:rPr>
+              <a:t>implementation</a:t>
+            </a:r>
+            <a:r>
+              <a:rPr lang="en-US" altLang="ja-JP" dirty="0" smtClean="0">
+                <a:solidFill>
+                  <a:schemeClr val="bg1"/>
+                </a:solidFill>
+                <a:latin typeface="HGP創英角ｺﾞｼｯｸUB" panose="020B0900000000000000" pitchFamily="50" charset="-128"/>
+                <a:ea typeface="HGP創英角ｺﾞｼｯｸUB" panose="020B0900000000000000" pitchFamily="50" charset="-128"/>
+              </a:rPr>
+              <a:t>)</a:t>
+            </a:r>
+            <a:endParaRPr lang="en-US" altLang="ja-JP" dirty="0">
+              <a:solidFill>
+                <a:schemeClr val="bg1"/>
+              </a:solidFill>
+              <a:latin typeface="HGP創英角ｺﾞｼｯｸUB" panose="020B0900000000000000" pitchFamily="50" charset="-128"/>
+              <a:ea typeface="HGP創英角ｺﾞｼｯｸUB" panose="020B0900000000000000" pitchFamily="50" charset="-128"/>
+            </a:endParaRPr>
+          </a:p>
+        </p:txBody>
+      </p:sp>
+      <p:sp>
+        <p:nvSpPr>
+          <p:cNvPr id="58" name="正方形/長方形 57"/>
+          <p:cNvSpPr/>
+          <p:nvPr/>
+        </p:nvSpPr>
+        <p:spPr>
+          <a:xfrm>
+            <a:off x="6688683" y="4592923"/>
+            <a:ext cx="2002506" cy="2004429"/>
           </a:xfrm>
           <a:prstGeom prst="rect">
             <a:avLst/>
@@ -12732,12 +12772,12 @@
           </a:fontRef>
         </p:style>
         <p:txBody>
-          <a:bodyPr rtlCol="0" anchor="ctr"/>
+          <a:bodyPr rtlCol="0" anchor="t" anchorCtr="0"/>
           <a:lstStyle/>
           <a:p>
             <a:pPr algn="ctr"/>
             <a:r>
-              <a:rPr lang="en-US" altLang="ja-JP" dirty="0">
+              <a:rPr lang="en-US" altLang="ja-JP" dirty="0" smtClean="0">
                 <a:solidFill>
                   <a:schemeClr val="tx1">
                     <a:lumMod val="75000"/>
@@ -12747,97 +12787,234 @@
                 <a:latin typeface="HGP創英角ｺﾞｼｯｸUB" panose="020B0900000000000000" pitchFamily="50" charset="-128"/>
                 <a:ea typeface="HGP創英角ｺﾞｼｯｸUB" panose="020B0900000000000000" pitchFamily="50" charset="-128"/>
               </a:rPr>
-              <a:t>My</a:t>
-            </a:r>
-          </a:p>
-          <a:p>
-            <a:pPr algn="ctr"/>
-            <a:r>
-              <a:rPr lang="en-US" altLang="ja-JP" dirty="0">
-                <a:solidFill>
-                  <a:schemeClr val="tx1">
-                    <a:lumMod val="75000"/>
-                    <a:lumOff val="25000"/>
-                  </a:schemeClr>
-                </a:solidFill>
-                <a:latin typeface="HGP創英角ｺﾞｼｯｸUB" panose="020B0900000000000000" pitchFamily="50" charset="-128"/>
-                <a:ea typeface="HGP創英角ｺﾞｼｯｸUB" panose="020B0900000000000000" pitchFamily="50" charset="-128"/>
-              </a:rPr>
-              <a:t>Application</a:t>
-            </a:r>
-          </a:p>
-          <a:p>
-            <a:pPr algn="ctr"/>
-            <a:r>
-              <a:rPr lang="en-US" altLang="ja-JP" dirty="0">
-                <a:solidFill>
-                  <a:schemeClr val="tx1">
-                    <a:lumMod val="75000"/>
-                    <a:lumOff val="25000"/>
-                  </a:schemeClr>
-                </a:solidFill>
-                <a:latin typeface="HGP創英角ｺﾞｼｯｸUB" panose="020B0900000000000000" pitchFamily="50" charset="-128"/>
-                <a:ea typeface="HGP創英角ｺﾞｼｯｸUB" panose="020B0900000000000000" pitchFamily="50" charset="-128"/>
-              </a:rPr>
-              <a:t>Listener</a:t>
-            </a:r>
-          </a:p>
-        </p:txBody>
-      </p:sp>
-      <p:cxnSp>
-        <p:nvCxnSpPr>
-          <p:cNvPr id="85" name="直線矢印コネクタ 73"/>
-          <p:cNvCxnSpPr>
-            <a:stCxn id="84" idx="1"/>
-            <a:endCxn id="82" idx="3"/>
-          </p:cNvCxnSpPr>
+              <a:t>POJO</a:t>
+            </a:r>
+            <a:endParaRPr lang="en-US" altLang="ja-JP" dirty="0">
+              <a:solidFill>
+                <a:schemeClr val="tx1">
+                  <a:lumMod val="75000"/>
+                  <a:lumOff val="25000"/>
+                </a:schemeClr>
+              </a:solidFill>
+              <a:latin typeface="HGP創英角ｺﾞｼｯｸUB" panose="020B0900000000000000" pitchFamily="50" charset="-128"/>
+              <a:ea typeface="HGP創英角ｺﾞｼｯｸUB" panose="020B0900000000000000" pitchFamily="50" charset="-128"/>
+            </a:endParaRPr>
+          </a:p>
+        </p:txBody>
+      </p:sp>
+      <p:sp>
+        <p:nvSpPr>
+          <p:cNvPr id="62" name="正方形/長方形 61"/>
+          <p:cNvSpPr/>
           <p:nvPr/>
-        </p:nvCxnSpPr>
-        <p:spPr bwMode="invGray">
-          <a:xfrm flipH="1" flipV="1">
-            <a:off x="5156376" y="5750024"/>
-            <a:ext cx="1515871" cy="1740"/>
+        </p:nvSpPr>
+        <p:spPr>
+          <a:xfrm>
+            <a:off x="7100687" y="5524753"/>
+            <a:ext cx="1259035" cy="577927"/>
           </a:xfrm>
-          <a:prstGeom prst="straightConnector1">
+          <a:prstGeom prst="rect">
             <a:avLst/>
           </a:prstGeom>
-          <a:ln w="50800">
+          <a:ln w="12700">
             <a:solidFill>
               <a:schemeClr val="tx1">
                 <a:lumMod val="50000"/>
                 <a:lumOff val="50000"/>
               </a:schemeClr>
             </a:solidFill>
-            <a:prstDash val="sysDash"/>
-            <a:headEnd type="none" w="lg" len="lg"/>
-            <a:tailEnd type="triangle" w="lg" len="lg"/>
           </a:ln>
         </p:spPr>
         <p:style>
-          <a:lnRef idx="1">
-            <a:schemeClr val="accent1"/>
+          <a:lnRef idx="2">
+            <a:schemeClr val="accent6"/>
           </a:lnRef>
-          <a:fillRef idx="0">
-            <a:schemeClr val="accent1"/>
+          <a:fillRef idx="1">
+            <a:schemeClr val="lt1"/>
           </a:fillRef>
           <a:effectRef idx="0">
-            <a:schemeClr val="accent1"/>
+            <a:schemeClr val="accent6"/>
           </a:effectRef>
           <a:fontRef idx="minor">
-            <a:schemeClr val="tx1"/>
+            <a:schemeClr val="dk1"/>
           </a:fontRef>
         </p:style>
-      </p:cxnSp>
-      <p:sp>
-        <p:nvSpPr>
-          <p:cNvPr id="89" name="正方形/長方形 88"/>
+        <p:txBody>
+          <a:bodyPr rtlCol="0" anchor="ctr"/>
+          <a:lstStyle/>
+          <a:p>
+            <a:pPr algn="ctr"/>
+            <a:r>
+              <a:rPr lang="en-US" altLang="ja-JP" dirty="0" smtClean="0">
+                <a:solidFill>
+                  <a:schemeClr val="tx1">
+                    <a:lumMod val="75000"/>
+                    <a:lumOff val="25000"/>
+                  </a:schemeClr>
+                </a:solidFill>
+                <a:latin typeface="HGP創英角ｺﾞｼｯｸUB" panose="020B0900000000000000" pitchFamily="50" charset="-128"/>
+                <a:ea typeface="HGP創英角ｺﾞｼｯｸUB" panose="020B0900000000000000" pitchFamily="50" charset="-128"/>
+              </a:rPr>
+              <a:t>Method</a:t>
+            </a:r>
+            <a:endParaRPr lang="en-US" altLang="ja-JP" dirty="0">
+              <a:solidFill>
+                <a:schemeClr val="tx1">
+                  <a:lumMod val="75000"/>
+                  <a:lumOff val="25000"/>
+                </a:schemeClr>
+              </a:solidFill>
+              <a:latin typeface="HGP創英角ｺﾞｼｯｸUB" panose="020B0900000000000000" pitchFamily="50" charset="-128"/>
+              <a:ea typeface="HGP創英角ｺﾞｼｯｸUB" panose="020B0900000000000000" pitchFamily="50" charset="-128"/>
+            </a:endParaRPr>
+          </a:p>
+        </p:txBody>
+      </p:sp>
+      <p:sp>
+        <p:nvSpPr>
+          <p:cNvPr id="87" name="テキスト ボックス 86"/>
+          <p:cNvSpPr txBox="1"/>
+          <p:nvPr/>
+        </p:nvSpPr>
+        <p:spPr>
+          <a:xfrm>
+            <a:off x="6823772" y="5176525"/>
+            <a:ext cx="1715534" cy="369332"/>
+          </a:xfrm>
+          <a:prstGeom prst="rect">
+            <a:avLst/>
+          </a:prstGeom>
+          <a:noFill/>
+        </p:spPr>
+        <p:txBody>
+          <a:bodyPr wrap="none" rtlCol="0">
+            <a:spAutoFit/>
+          </a:bodyPr>
+          <a:lstStyle/>
+          <a:p>
+            <a:r>
+              <a:rPr kumimoji="1" lang="en-US" altLang="ja-JP" dirty="0" smtClean="0">
+                <a:solidFill>
+                  <a:schemeClr val="tx1">
+                    <a:lumMod val="65000"/>
+                    <a:lumOff val="35000"/>
+                  </a:schemeClr>
+                </a:solidFill>
+                <a:latin typeface="HGP創英角ｺﾞｼｯｸUB" panose="020B0900000000000000" pitchFamily="50" charset="-128"/>
+                <a:ea typeface="HGP創英角ｺﾞｼｯｸUB" panose="020B0900000000000000" pitchFamily="50" charset="-128"/>
+              </a:rPr>
+              <a:t>@</a:t>
+            </a:r>
+            <a:r>
+              <a:rPr kumimoji="1" lang="en-US" altLang="ja-JP" dirty="0" err="1" smtClean="0">
+                <a:solidFill>
+                  <a:schemeClr val="tx1">
+                    <a:lumMod val="65000"/>
+                    <a:lumOff val="35000"/>
+                  </a:schemeClr>
+                </a:solidFill>
+                <a:latin typeface="HGP創英角ｺﾞｼｯｸUB" panose="020B0900000000000000" pitchFamily="50" charset="-128"/>
+                <a:ea typeface="HGP創英角ｺﾞｼｯｸUB" panose="020B0900000000000000" pitchFamily="50" charset="-128"/>
+              </a:rPr>
+              <a:t>EventListener</a:t>
+            </a:r>
+            <a:endParaRPr kumimoji="1" lang="ja-JP" altLang="en-US" dirty="0">
+              <a:solidFill>
+                <a:schemeClr val="tx1">
+                  <a:lumMod val="65000"/>
+                  <a:lumOff val="35000"/>
+                </a:schemeClr>
+              </a:solidFill>
+              <a:latin typeface="HGP創英角ｺﾞｼｯｸUB" panose="020B0900000000000000" pitchFamily="50" charset="-128"/>
+              <a:ea typeface="HGP創英角ｺﾞｼｯｸUB" panose="020B0900000000000000" pitchFamily="50" charset="-128"/>
+            </a:endParaRPr>
+          </a:p>
+        </p:txBody>
+      </p:sp>
+      <p:sp>
+        <p:nvSpPr>
+          <p:cNvPr id="91" name="テキスト ボックス 90"/>
+          <p:cNvSpPr txBox="1"/>
+          <p:nvPr/>
+        </p:nvSpPr>
+        <p:spPr>
+          <a:xfrm>
+            <a:off x="5965408" y="5229200"/>
+            <a:ext cx="723275" cy="461665"/>
+          </a:xfrm>
+          <a:prstGeom prst="rect">
+            <a:avLst/>
+          </a:prstGeom>
+          <a:noFill/>
+        </p:spPr>
+        <p:txBody>
+          <a:bodyPr wrap="none" rtlCol="0">
+            <a:spAutoFit/>
+          </a:bodyPr>
+          <a:lstStyle/>
+          <a:p>
+            <a:r>
+              <a:rPr kumimoji="1" lang="ja-JP" altLang="en-US" sz="2400" dirty="0" smtClean="0">
+                <a:solidFill>
+                  <a:schemeClr val="tx1">
+                    <a:lumMod val="65000"/>
+                    <a:lumOff val="35000"/>
+                  </a:schemeClr>
+                </a:solidFill>
+                <a:latin typeface="HGP創英角ｺﾞｼｯｸUB" panose="020B0900000000000000" pitchFamily="50" charset="-128"/>
+                <a:ea typeface="HGP創英角ｺﾞｼｯｸUB" panose="020B0900000000000000" pitchFamily="50" charset="-128"/>
+              </a:rPr>
+              <a:t>（</a:t>
+            </a:r>
+            <a:r>
+              <a:rPr lang="ja-JP" altLang="en-US" sz="2400" dirty="0">
+                <a:solidFill>
+                  <a:schemeClr val="tx1">
+                    <a:lumMod val="65000"/>
+                    <a:lumOff val="35000"/>
+                  </a:schemeClr>
+                </a:solidFill>
+                <a:latin typeface="HGP創英角ｺﾞｼｯｸUB" panose="020B0900000000000000" pitchFamily="50" charset="-128"/>
+                <a:ea typeface="HGP創英角ｺﾞｼｯｸUB" panose="020B0900000000000000" pitchFamily="50" charset="-128"/>
+              </a:rPr>
+              <a:t>４</a:t>
+            </a:r>
+            <a:r>
+              <a:rPr kumimoji="1" lang="ja-JP" altLang="en-US" sz="2400" dirty="0" smtClean="0">
+                <a:solidFill>
+                  <a:schemeClr val="tx1">
+                    <a:lumMod val="65000"/>
+                    <a:lumOff val="35000"/>
+                  </a:schemeClr>
+                </a:solidFill>
+                <a:latin typeface="HGP創英角ｺﾞｼｯｸUB" panose="020B0900000000000000" pitchFamily="50" charset="-128"/>
+                <a:ea typeface="HGP創英角ｺﾞｼｯｸUB" panose="020B0900000000000000" pitchFamily="50" charset="-128"/>
+              </a:rPr>
+              <a:t>）</a:t>
+            </a:r>
+            <a:endParaRPr kumimoji="1" lang="ja-JP" altLang="en-US" sz="2400" dirty="0">
+              <a:solidFill>
+                <a:schemeClr val="tx1">
+                  <a:lumMod val="65000"/>
+                  <a:lumOff val="35000"/>
+                </a:schemeClr>
+              </a:solidFill>
+              <a:latin typeface="HGP創英角ｺﾞｼｯｸUB" panose="020B0900000000000000" pitchFamily="50" charset="-128"/>
+              <a:ea typeface="HGP創英角ｺﾞｼｯｸUB" panose="020B0900000000000000" pitchFamily="50" charset="-128"/>
+            </a:endParaRPr>
+          </a:p>
+        </p:txBody>
+      </p:sp>
+      <p:sp>
+        <p:nvSpPr>
+          <p:cNvPr id="103" name="正方形/長方形 102"/>
           <p:cNvSpPr/>
           <p:nvPr/>
         </p:nvSpPr>
         <p:spPr>
           <a:xfrm>
-            <a:off x="6447562" y="5032226"/>
-            <a:ext cx="2070576" cy="1409313"/>
+            <a:off x="6823772" y="4985948"/>
+            <a:ext cx="1718068" cy="1467388"/>
           </a:xfrm>
           <a:prstGeom prst="rect">
             <a:avLst/>
@@ -12885,46 +13062,125 @@
           </a:p>
         </p:txBody>
       </p:sp>
-      <p:sp>
-        <p:nvSpPr>
-          <p:cNvPr id="98" name="テキスト ボックス 97"/>
-          <p:cNvSpPr txBox="1"/>
+      <p:cxnSp>
+        <p:nvCxnSpPr>
+          <p:cNvPr id="104" name="直線矢印コネクタ 64"/>
+          <p:cNvCxnSpPr/>
+          <p:nvPr/>
+        </p:nvCxnSpPr>
+        <p:spPr bwMode="invGray">
+          <a:xfrm flipH="1" flipV="1">
+            <a:off x="5506842" y="5807806"/>
+            <a:ext cx="1339845" cy="5911"/>
+          </a:xfrm>
+          <a:prstGeom prst="straightConnector1">
+            <a:avLst/>
+          </a:prstGeom>
+          <a:ln w="50800">
+            <a:solidFill>
+              <a:schemeClr val="tx2">
+                <a:lumMod val="40000"/>
+                <a:lumOff val="60000"/>
+              </a:schemeClr>
+            </a:solidFill>
+            <a:headEnd type="triangle" w="lg" len="lg"/>
+            <a:tailEnd type="none" w="lg" len="lg"/>
+          </a:ln>
+        </p:spPr>
+        <p:style>
+          <a:lnRef idx="1">
+            <a:schemeClr val="accent1"/>
+          </a:lnRef>
+          <a:fillRef idx="0">
+            <a:schemeClr val="accent1"/>
+          </a:fillRef>
+          <a:effectRef idx="0">
+            <a:schemeClr val="accent1"/>
+          </a:effectRef>
+          <a:fontRef idx="minor">
+            <a:schemeClr val="tx1"/>
+          </a:fontRef>
+        </p:style>
+      </p:cxnSp>
+      <p:sp>
+        <p:nvSpPr>
+          <p:cNvPr id="105" name="正方形/長方形 104"/>
+          <p:cNvSpPr/>
           <p:nvPr/>
         </p:nvSpPr>
         <p:spPr>
           <a:xfrm>
-            <a:off x="2770202" y="1595252"/>
-            <a:ext cx="723275" cy="461665"/>
+            <a:off x="5557208" y="5986957"/>
+            <a:ext cx="1181841" cy="554136"/>
           </a:xfrm>
           <a:prstGeom prst="rect">
             <a:avLst/>
           </a:prstGeom>
-          <a:noFill/>
+          <a:solidFill>
+            <a:schemeClr val="accent6">
+              <a:lumMod val="60000"/>
+              <a:lumOff val="40000"/>
+            </a:schemeClr>
+          </a:solidFill>
+          <a:ln>
+            <a:noFill/>
+          </a:ln>
         </p:spPr>
-        <p:txBody>
-          <a:bodyPr wrap="none" rtlCol="0">
-            <a:spAutoFit/>
-          </a:bodyPr>
+        <p:style>
+          <a:lnRef idx="2">
+            <a:schemeClr val="accent1">
+              <a:shade val="50000"/>
+            </a:schemeClr>
+          </a:lnRef>
+          <a:fillRef idx="1">
+            <a:schemeClr val="accent1"/>
+          </a:fillRef>
+          <a:effectRef idx="0">
+            <a:schemeClr val="accent1"/>
+          </a:effectRef>
+          <a:fontRef idx="minor">
+            <a:schemeClr val="lt1"/>
+          </a:fontRef>
+        </p:style>
+        <p:txBody>
+          <a:bodyPr rtlCol="0" anchor="ctr"/>
           <a:lstStyle/>
           <a:p>
-            <a:r>
-              <a:rPr kumimoji="1" lang="ja-JP" altLang="en-US" sz="2400" dirty="0" smtClean="0">
-                <a:solidFill>
-                  <a:schemeClr val="tx1">
-                    <a:lumMod val="65000"/>
-                    <a:lumOff val="35000"/>
-                  </a:schemeClr>
-                </a:solidFill>
-                <a:latin typeface="HGP創英角ｺﾞｼｯｸUB" panose="020B0900000000000000" pitchFamily="50" charset="-128"/>
-                <a:ea typeface="HGP創英角ｺﾞｼｯｸUB" panose="020B0900000000000000" pitchFamily="50" charset="-128"/>
-              </a:rPr>
-              <a:t>（１）</a:t>
-            </a:r>
-            <a:endParaRPr kumimoji="1" lang="ja-JP" altLang="en-US" sz="2400" dirty="0">
+            <a:pPr algn="ctr"/>
+            <a:r>
+              <a:rPr lang="en-US" altLang="ja-JP" sz="1200" dirty="0" smtClean="0">
+                <a:solidFill>
+                  <a:schemeClr val="tx1">
+                    <a:lumMod val="75000"/>
+                    <a:lumOff val="25000"/>
+                  </a:schemeClr>
+                </a:solidFill>
+                <a:latin typeface="HGP創英角ｺﾞｼｯｸUB" panose="020B0900000000000000" pitchFamily="50" charset="-128"/>
+                <a:ea typeface="HGP創英角ｺﾞｼｯｸUB" panose="020B0900000000000000" pitchFamily="50" charset="-128"/>
+              </a:rPr>
+              <a:t>Authentication</a:t>
+            </a:r>
+          </a:p>
+          <a:p>
+            <a:pPr algn="ctr"/>
+            <a:r>
+              <a:rPr lang="en-US" altLang="ja-JP" sz="1200" dirty="0" smtClean="0">
+                <a:solidFill>
+                  <a:schemeClr val="tx1">
+                    <a:lumMod val="75000"/>
+                    <a:lumOff val="25000"/>
+                  </a:schemeClr>
+                </a:solidFill>
+                <a:latin typeface="HGP創英角ｺﾞｼｯｸUB" panose="020B0900000000000000" pitchFamily="50" charset="-128"/>
+                <a:ea typeface="HGP創英角ｺﾞｼｯｸUB" panose="020B0900000000000000" pitchFamily="50" charset="-128"/>
+              </a:rPr>
+              <a:t>Event</a:t>
+            </a:r>
+            <a:endParaRPr lang="en-US" altLang="ja-JP" sz="1200" dirty="0">
               <a:solidFill>
                 <a:schemeClr val="tx1">
-                  <a:lumMod val="65000"/>
-                  <a:lumOff val="35000"/>
+                  <a:lumMod val="75000"/>
+                  <a:lumOff val="25000"/>
                 </a:schemeClr>
               </a:solidFill>
               <a:latin typeface="HGP創英角ｺﾞｼｯｸUB" panose="020B0900000000000000" pitchFamily="50" charset="-128"/>
@@ -12935,163 +13191,19 @@
       </p:sp>
       <p:sp>
         <p:nvSpPr>
-          <p:cNvPr id="99" name="テキスト ボックス 98"/>
-          <p:cNvSpPr txBox="1"/>
+          <p:cNvPr id="106" name="円形吹き出し 105"/>
+          <p:cNvSpPr/>
           <p:nvPr/>
         </p:nvSpPr>
         <p:spPr>
           <a:xfrm>
-            <a:off x="5850718" y="2569291"/>
-            <a:ext cx="723275" cy="461665"/>
-          </a:xfrm>
-          <a:prstGeom prst="rect">
-            <a:avLst/>
-          </a:prstGeom>
-          <a:noFill/>
-        </p:spPr>
-        <p:txBody>
-          <a:bodyPr wrap="none" rtlCol="0">
-            <a:spAutoFit/>
-          </a:bodyPr>
-          <a:lstStyle/>
-          <a:p>
-            <a:r>
-              <a:rPr kumimoji="1" lang="ja-JP" altLang="en-US" sz="2400" dirty="0" smtClean="0">
-                <a:solidFill>
-                  <a:schemeClr val="tx1">
-                    <a:lumMod val="65000"/>
-                    <a:lumOff val="35000"/>
-                  </a:schemeClr>
-                </a:solidFill>
-                <a:latin typeface="HGP創英角ｺﾞｼｯｸUB" panose="020B0900000000000000" pitchFamily="50" charset="-128"/>
-                <a:ea typeface="HGP創英角ｺﾞｼｯｸUB" panose="020B0900000000000000" pitchFamily="50" charset="-128"/>
-              </a:rPr>
-              <a:t>（２）</a:t>
-            </a:r>
-            <a:endParaRPr kumimoji="1" lang="ja-JP" altLang="en-US" sz="2400" dirty="0">
-              <a:solidFill>
-                <a:schemeClr val="tx1">
-                  <a:lumMod val="65000"/>
-                  <a:lumOff val="35000"/>
-                </a:schemeClr>
-              </a:solidFill>
-              <a:latin typeface="HGP創英角ｺﾞｼｯｸUB" panose="020B0900000000000000" pitchFamily="50" charset="-128"/>
-              <a:ea typeface="HGP創英角ｺﾞｼｯｸUB" panose="020B0900000000000000" pitchFamily="50" charset="-128"/>
-            </a:endParaRPr>
-          </a:p>
-        </p:txBody>
-      </p:sp>
-      <p:sp>
-        <p:nvSpPr>
-          <p:cNvPr id="100" name="テキスト ボックス 99"/>
-          <p:cNvSpPr txBox="1"/>
-          <p:nvPr/>
-        </p:nvSpPr>
-        <p:spPr>
-          <a:xfrm>
-            <a:off x="1993507" y="5777510"/>
-            <a:ext cx="723275" cy="461665"/>
-          </a:xfrm>
-          <a:prstGeom prst="rect">
-            <a:avLst/>
-          </a:prstGeom>
-          <a:noFill/>
-        </p:spPr>
-        <p:txBody>
-          <a:bodyPr wrap="none" rtlCol="0">
-            <a:spAutoFit/>
-          </a:bodyPr>
-          <a:lstStyle/>
-          <a:p>
-            <a:r>
-              <a:rPr kumimoji="1" lang="ja-JP" altLang="en-US" sz="2400" dirty="0" smtClean="0">
-                <a:solidFill>
-                  <a:schemeClr val="tx1">
-                    <a:lumMod val="65000"/>
-                    <a:lumOff val="35000"/>
-                  </a:schemeClr>
-                </a:solidFill>
-                <a:latin typeface="HGP創英角ｺﾞｼｯｸUB" panose="020B0900000000000000" pitchFamily="50" charset="-128"/>
-                <a:ea typeface="HGP創英角ｺﾞｼｯｸUB" panose="020B0900000000000000" pitchFamily="50" charset="-128"/>
-              </a:rPr>
-              <a:t>（３）</a:t>
-            </a:r>
-            <a:endParaRPr kumimoji="1" lang="ja-JP" altLang="en-US" sz="2400" dirty="0">
-              <a:solidFill>
-                <a:schemeClr val="tx1">
-                  <a:lumMod val="65000"/>
-                  <a:lumOff val="35000"/>
-                </a:schemeClr>
-              </a:solidFill>
-              <a:latin typeface="HGP創英角ｺﾞｼｯｸUB" panose="020B0900000000000000" pitchFamily="50" charset="-128"/>
-              <a:ea typeface="HGP創英角ｺﾞｼｯｸUB" panose="020B0900000000000000" pitchFamily="50" charset="-128"/>
-            </a:endParaRPr>
-          </a:p>
-        </p:txBody>
-      </p:sp>
-      <p:sp>
-        <p:nvSpPr>
-          <p:cNvPr id="39" name="テキスト ボックス 38"/>
-          <p:cNvSpPr txBox="1"/>
-          <p:nvPr/>
-        </p:nvSpPr>
-        <p:spPr>
-          <a:xfrm>
-            <a:off x="5174333" y="1418672"/>
-            <a:ext cx="1183337" cy="338554"/>
-          </a:xfrm>
-          <a:prstGeom prst="rect">
-            <a:avLst/>
-          </a:prstGeom>
-          <a:noFill/>
-        </p:spPr>
-        <p:txBody>
-          <a:bodyPr wrap="none" rtlCol="0">
-            <a:spAutoFit/>
-          </a:bodyPr>
-          <a:lstStyle/>
-          <a:p>
-            <a:r>
-              <a:rPr lang="en-US" altLang="ja-JP" sz="1600" dirty="0" smtClean="0">
-                <a:solidFill>
-                  <a:schemeClr val="tx1">
-                    <a:lumMod val="50000"/>
-                    <a:lumOff val="50000"/>
-                  </a:schemeClr>
-                </a:solidFill>
-                <a:latin typeface="HGP創英角ｺﾞｼｯｸUB" panose="020B0900000000000000" pitchFamily="50" charset="-128"/>
-                <a:ea typeface="HGP創英角ｺﾞｼｯｸUB" panose="020B0900000000000000" pitchFamily="50" charset="-128"/>
-              </a:rPr>
-              <a:t>implements</a:t>
-            </a:r>
-            <a:endParaRPr kumimoji="1" lang="ja-JP" altLang="en-US" sz="1600" dirty="0">
-              <a:solidFill>
-                <a:schemeClr val="tx1">
-                  <a:lumMod val="50000"/>
-                  <a:lumOff val="50000"/>
-                </a:schemeClr>
-              </a:solidFill>
-              <a:latin typeface="HGP創英角ｺﾞｼｯｸUB" panose="020B0900000000000000" pitchFamily="50" charset="-128"/>
-              <a:ea typeface="HGP創英角ｺﾞｼｯｸUB" panose="020B0900000000000000" pitchFamily="50" charset="-128"/>
-            </a:endParaRPr>
-          </a:p>
-        </p:txBody>
-      </p:sp>
-      <p:sp>
-        <p:nvSpPr>
-          <p:cNvPr id="40" name="円形吹き出し 39"/>
-          <p:cNvSpPr/>
-          <p:nvPr/>
-        </p:nvSpPr>
-        <p:spPr>
-          <a:xfrm>
-            <a:off x="5449818" y="3478280"/>
-            <a:ext cx="2432762" cy="1435268"/>
+            <a:off x="5777851" y="3287760"/>
+            <a:ext cx="2867283" cy="1209852"/>
           </a:xfrm>
           <a:prstGeom prst="wedgeEllipseCallout">
             <a:avLst>
-              <a:gd name="adj1" fmla="val 16884"/>
-              <a:gd name="adj2" fmla="val 56931"/>
+              <a:gd name="adj1" fmla="val -2687"/>
+              <a:gd name="adj2" fmla="val 104605"/>
             </a:avLst>
           </a:prstGeom>
           <a:solidFill>
@@ -13132,6 +13244,141 @@
             <a:r>
               <a:rPr lang="en-US" altLang="ja-JP" dirty="0" smtClean="0">
                 <a:solidFill>
+                  <a:schemeClr val="tx1"/>
+                </a:solidFill>
+                <a:latin typeface="HGP創英角ｺﾞｼｯｸUB" panose="020B0900000000000000" pitchFamily="50" charset="-128"/>
+                <a:ea typeface="HGP創英角ｺﾞｼｯｸUB" panose="020B0900000000000000" pitchFamily="50" charset="-128"/>
+              </a:rPr>
+              <a:t>Create</a:t>
+            </a:r>
+            <a:r>
+              <a:rPr lang="ja-JP" altLang="en-US" dirty="0" smtClean="0">
+                <a:solidFill>
+                  <a:schemeClr val="tx1"/>
+                </a:solidFill>
+                <a:latin typeface="HGP創英角ｺﾞｼｯｸUB" panose="020B0900000000000000" pitchFamily="50" charset="-128"/>
+                <a:ea typeface="HGP創英角ｺﾞｼｯｸUB" panose="020B0900000000000000" pitchFamily="50" charset="-128"/>
+              </a:rPr>
+              <a:t> </a:t>
+            </a:r>
+            <a:r>
+              <a:rPr lang="en-US" altLang="ja-JP" dirty="0" smtClean="0">
+                <a:solidFill>
+                  <a:schemeClr val="tx1"/>
+                </a:solidFill>
+                <a:latin typeface="HGP創英角ｺﾞｼｯｸUB" panose="020B0900000000000000" pitchFamily="50" charset="-128"/>
+                <a:ea typeface="HGP創英角ｺﾞｼｯｸUB" panose="020B0900000000000000" pitchFamily="50" charset="-128"/>
+              </a:rPr>
+              <a:t>a </a:t>
+            </a:r>
+            <a:r>
+              <a:rPr lang="en-US" altLang="ja-JP" dirty="0">
+                <a:solidFill>
+                  <a:schemeClr val="tx1"/>
+                </a:solidFill>
+                <a:latin typeface="HGP創英角ｺﾞｼｯｸUB" panose="020B0900000000000000" pitchFamily="50" charset="-128"/>
+                <a:ea typeface="HGP創英角ｺﾞｼｯｸUB" panose="020B0900000000000000" pitchFamily="50" charset="-128"/>
+              </a:rPr>
+              <a:t>@</a:t>
+            </a:r>
+            <a:r>
+              <a:rPr lang="en-US" altLang="ja-JP" dirty="0" err="1" smtClean="0">
+                <a:solidFill>
+                  <a:schemeClr val="tx1"/>
+                </a:solidFill>
+                <a:latin typeface="HGP創英角ｺﾞｼｯｸUB" panose="020B0900000000000000" pitchFamily="50" charset="-128"/>
+                <a:ea typeface="HGP創英角ｺﾞｼｯｸUB" panose="020B0900000000000000" pitchFamily="50" charset="-128"/>
+              </a:rPr>
+              <a:t>EventListener</a:t>
+            </a:r>
+            <a:r>
+              <a:rPr lang="ja-JP" altLang="en-US" dirty="0" smtClean="0">
+                <a:solidFill>
+                  <a:schemeClr val="tx1"/>
+                </a:solidFill>
+                <a:latin typeface="HGP創英角ｺﾞｼｯｸUB" panose="020B0900000000000000" pitchFamily="50" charset="-128"/>
+                <a:ea typeface="HGP創英角ｺﾞｼｯｸUB" panose="020B0900000000000000" pitchFamily="50" charset="-128"/>
+              </a:rPr>
+              <a:t> </a:t>
+            </a:r>
+            <a:r>
+              <a:rPr lang="en-US" altLang="ja-JP" dirty="0" smtClean="0">
+                <a:solidFill>
+                  <a:schemeClr val="tx1"/>
+                </a:solidFill>
+                <a:latin typeface="HGP創英角ｺﾞｼｯｸUB" panose="020B0900000000000000" pitchFamily="50" charset="-128"/>
+                <a:ea typeface="HGP創英角ｺﾞｼｯｸUB" panose="020B0900000000000000" pitchFamily="50" charset="-128"/>
+              </a:rPr>
+              <a:t>method to </a:t>
+            </a:r>
+            <a:r>
+              <a:rPr lang="en-US" altLang="ja-JP" dirty="0">
+                <a:solidFill>
+                  <a:schemeClr val="tx1"/>
+                </a:solidFill>
+                <a:latin typeface="HGP創英角ｺﾞｼｯｸUB" panose="020B0900000000000000" pitchFamily="50" charset="-128"/>
+                <a:ea typeface="HGP創英角ｺﾞｼｯｸUB" panose="020B0900000000000000" pitchFamily="50" charset="-128"/>
+              </a:rPr>
+              <a:t>suit requirements</a:t>
+            </a:r>
+          </a:p>
+        </p:txBody>
+      </p:sp>
+      <p:sp>
+        <p:nvSpPr>
+          <p:cNvPr id="107" name="円形吹き出し 106"/>
+          <p:cNvSpPr/>
+          <p:nvPr/>
+        </p:nvSpPr>
+        <p:spPr>
+          <a:xfrm>
+            <a:off x="1884579" y="5649999"/>
+            <a:ext cx="1339575" cy="706858"/>
+          </a:xfrm>
+          <a:prstGeom prst="wedgeEllipseCallout">
+            <a:avLst>
+              <a:gd name="adj1" fmla="val 59051"/>
+              <a:gd name="adj2" fmla="val -45851"/>
+            </a:avLst>
+          </a:prstGeom>
+          <a:solidFill>
+            <a:schemeClr val="accent6">
+              <a:lumMod val="60000"/>
+              <a:lumOff val="40000"/>
+            </a:schemeClr>
+          </a:solidFill>
+          <a:ln w="12700">
+            <a:solidFill>
+              <a:schemeClr val="accent6">
+                <a:lumMod val="40000"/>
+                <a:lumOff val="60000"/>
+              </a:schemeClr>
+            </a:solidFill>
+          </a:ln>
+          <a:effectLst/>
+        </p:spPr>
+        <p:style>
+          <a:lnRef idx="3">
+            <a:schemeClr val="lt1"/>
+          </a:lnRef>
+          <a:fillRef idx="1">
+            <a:schemeClr val="accent6"/>
+          </a:fillRef>
+          <a:effectRef idx="1">
+            <a:schemeClr val="accent6"/>
+          </a:effectRef>
+          <a:fontRef idx="minor">
+            <a:schemeClr val="lt1"/>
+          </a:fontRef>
+        </p:style>
+        <p:txBody>
+          <a:bodyPr rtlCol="0" anchor="ctr"/>
+          <a:lstStyle/>
+          <a:p>
+            <a:pPr algn="ctr"/>
+            <a:r>
+              <a:rPr lang="en-US" altLang="ja-JP" dirty="0" smtClean="0">
+                <a:solidFill>
                   <a:schemeClr val="tx1">
                     <a:lumMod val="75000"/>
                     <a:lumOff val="25000"/>
@@ -13140,10 +13387,10 @@
                 <a:latin typeface="HGP創英角ｺﾞｼｯｸUB" panose="020B0900000000000000" pitchFamily="50" charset="-128"/>
                 <a:ea typeface="HGP創英角ｺﾞｼｯｸUB" panose="020B0900000000000000" pitchFamily="50" charset="-128"/>
               </a:rPr>
-              <a:t>Create </a:t>
-            </a:r>
-            <a:r>
-              <a:rPr lang="en-US" altLang="ja-JP" dirty="0">
+              <a:t>Spring 4.2</a:t>
+            </a:r>
+            <a:r>
+              <a:rPr lang="ja-JP" altLang="en-US" dirty="0" smtClean="0">
                 <a:solidFill>
                   <a:schemeClr val="tx1">
                     <a:lumMod val="75000"/>
@@ -13153,33 +13400,30 @@
                 <a:latin typeface="HGP創英角ｺﾞｼｯｸUB" panose="020B0900000000000000" pitchFamily="50" charset="-128"/>
                 <a:ea typeface="HGP創英角ｺﾞｼｯｸUB" panose="020B0900000000000000" pitchFamily="50" charset="-128"/>
               </a:rPr>
-              <a:t>an implementation class to suit </a:t>
-            </a:r>
-            <a:r>
-              <a:rPr lang="en-US" altLang="ja-JP" dirty="0" smtClean="0">
-                <a:solidFill>
-                  <a:schemeClr val="tx1">
-                    <a:lumMod val="75000"/>
-                    <a:lumOff val="25000"/>
-                  </a:schemeClr>
-                </a:solidFill>
-                <a:latin typeface="HGP創英角ｺﾞｼｯｸUB" panose="020B0900000000000000" pitchFamily="50" charset="-128"/>
-                <a:ea typeface="HGP創英角ｺﾞｼｯｸUB" panose="020B0900000000000000" pitchFamily="50" charset="-128"/>
-              </a:rPr>
-              <a:t>requirements</a:t>
-            </a:r>
-          </a:p>
-        </p:txBody>
-      </p:sp>
-      <p:sp>
-        <p:nvSpPr>
-          <p:cNvPr id="41" name="テキスト ボックス 40"/>
+              <a:t>～</a:t>
+            </a:r>
+            <a:endParaRPr lang="en-US" altLang="ja-JP" dirty="0" smtClean="0">
+              <a:solidFill>
+                <a:schemeClr val="tx1">
+                  <a:lumMod val="75000"/>
+                  <a:lumOff val="25000"/>
+                </a:schemeClr>
+              </a:solidFill>
+              <a:latin typeface="HGP創英角ｺﾞｼｯｸUB" panose="020B0900000000000000" pitchFamily="50" charset="-128"/>
+              <a:ea typeface="HGP創英角ｺﾞｼｯｸUB" panose="020B0900000000000000" pitchFamily="50" charset="-128"/>
+            </a:endParaRPr>
+          </a:p>
+        </p:txBody>
+      </p:sp>
+      <p:sp>
+        <p:nvSpPr>
+          <p:cNvPr id="42" name="テキスト ボックス 41"/>
           <p:cNvSpPr txBox="1"/>
           <p:nvPr/>
         </p:nvSpPr>
         <p:spPr>
           <a:xfrm>
-            <a:off x="3626365" y="3720800"/>
+            <a:off x="3633613" y="3405391"/>
             <a:ext cx="1183337" cy="338554"/>
           </a:xfrm>
           <a:prstGeom prst="rect">
@@ -13221,13 +13465,13 @@
       </p:sp>
       <p:sp>
         <p:nvSpPr>
-          <p:cNvPr id="42" name="テキスト ボックス 41"/>
+          <p:cNvPr id="43" name="テキスト ボックス 42"/>
           <p:cNvSpPr txBox="1"/>
           <p:nvPr/>
         </p:nvSpPr>
         <p:spPr>
           <a:xfrm>
-            <a:off x="5302713" y="5332219"/>
+            <a:off x="5226587" y="1291672"/>
             <a:ext cx="1183337" cy="338554"/>
           </a:xfrm>
           <a:prstGeom prst="rect">
@@ -13267,10 +13511,279 @@
           </a:p>
         </p:txBody>
       </p:sp>
+      <p:sp>
+        <p:nvSpPr>
+          <p:cNvPr id="44" name="正方形/長方形 43"/>
+          <p:cNvSpPr/>
+          <p:nvPr/>
+        </p:nvSpPr>
+        <p:spPr>
+          <a:xfrm>
+            <a:off x="4331480" y="2623405"/>
+            <a:ext cx="1532497" cy="489415"/>
+          </a:xfrm>
+          <a:prstGeom prst="rect">
+            <a:avLst/>
+          </a:prstGeom>
+          <a:noFill/>
+          <a:ln>
+            <a:noFill/>
+          </a:ln>
+        </p:spPr>
+        <p:style>
+          <a:lnRef idx="2">
+            <a:schemeClr val="accent1">
+              <a:shade val="50000"/>
+            </a:schemeClr>
+          </a:lnRef>
+          <a:fillRef idx="1">
+            <a:schemeClr val="accent1"/>
+          </a:fillRef>
+          <a:effectRef idx="0">
+            <a:schemeClr val="accent1"/>
+          </a:effectRef>
+          <a:fontRef idx="minor">
+            <a:schemeClr val="lt1"/>
+          </a:fontRef>
+        </p:style>
+        <p:txBody>
+          <a:bodyPr rtlCol="0" anchor="ctr"/>
+          <a:lstStyle/>
+          <a:p>
+            <a:pPr algn="ctr"/>
+            <a:r>
+              <a:rPr lang="en-US" altLang="ja-JP" sz="1600" dirty="0">
+                <a:solidFill>
+                  <a:schemeClr val="tx1">
+                    <a:lumMod val="75000"/>
+                    <a:lumOff val="25000"/>
+                  </a:schemeClr>
+                </a:solidFill>
+                <a:latin typeface="HGP創英角ｺﾞｼｯｸUB" panose="020B0900000000000000" pitchFamily="50" charset="-128"/>
+                <a:ea typeface="HGP創英角ｺﾞｼｯｸUB" panose="020B0900000000000000" pitchFamily="50" charset="-128"/>
+              </a:rPr>
+              <a:t>Authentication</a:t>
+            </a:r>
+          </a:p>
+          <a:p>
+            <a:pPr algn="ctr"/>
+            <a:r>
+              <a:rPr lang="en-US" altLang="ja-JP" sz="1600" dirty="0">
+                <a:solidFill>
+                  <a:schemeClr val="tx1">
+                    <a:lumMod val="75000"/>
+                    <a:lumOff val="25000"/>
+                  </a:schemeClr>
+                </a:solidFill>
+                <a:latin typeface="HGP創英角ｺﾞｼｯｸUB" panose="020B0900000000000000" pitchFamily="50" charset="-128"/>
+                <a:ea typeface="HGP創英角ｺﾞｼｯｸUB" panose="020B0900000000000000" pitchFamily="50" charset="-128"/>
+              </a:rPr>
+              <a:t>E</a:t>
+            </a:r>
+            <a:r>
+              <a:rPr lang="en-US" altLang="ja-JP" sz="1600" dirty="0" smtClean="0">
+                <a:solidFill>
+                  <a:schemeClr val="tx1">
+                    <a:lumMod val="75000"/>
+                    <a:lumOff val="25000"/>
+                  </a:schemeClr>
+                </a:solidFill>
+                <a:latin typeface="HGP創英角ｺﾞｼｯｸUB" panose="020B0900000000000000" pitchFamily="50" charset="-128"/>
+                <a:ea typeface="HGP創英角ｺﾞｼｯｸUB" panose="020B0900000000000000" pitchFamily="50" charset="-128"/>
+              </a:rPr>
+              <a:t>vent</a:t>
+            </a:r>
+            <a:endParaRPr lang="en-US" altLang="ja-JP" sz="1600" dirty="0">
+              <a:solidFill>
+                <a:schemeClr val="tx1">
+                  <a:lumMod val="75000"/>
+                  <a:lumOff val="25000"/>
+                </a:schemeClr>
+              </a:solidFill>
+              <a:latin typeface="HGP創英角ｺﾞｼｯｸUB" panose="020B0900000000000000" pitchFamily="50" charset="-128"/>
+              <a:ea typeface="HGP創英角ｺﾞｼｯｸUB" panose="020B0900000000000000" pitchFamily="50" charset="-128"/>
+            </a:endParaRPr>
+          </a:p>
+        </p:txBody>
+      </p:sp>
+      <p:sp>
+        <p:nvSpPr>
+          <p:cNvPr id="45" name="正方形/長方形 44"/>
+          <p:cNvSpPr/>
+          <p:nvPr/>
+        </p:nvSpPr>
+        <p:spPr>
+          <a:xfrm>
+            <a:off x="2603027" y="699867"/>
+            <a:ext cx="1582474" cy="489415"/>
+          </a:xfrm>
+          <a:prstGeom prst="rect">
+            <a:avLst/>
+          </a:prstGeom>
+          <a:solidFill>
+            <a:schemeClr val="accent6">
+              <a:lumMod val="60000"/>
+              <a:lumOff val="40000"/>
+            </a:schemeClr>
+          </a:solidFill>
+          <a:ln>
+            <a:noFill/>
+          </a:ln>
+        </p:spPr>
+        <p:style>
+          <a:lnRef idx="2">
+            <a:schemeClr val="accent1">
+              <a:shade val="50000"/>
+            </a:schemeClr>
+          </a:lnRef>
+          <a:fillRef idx="1">
+            <a:schemeClr val="accent1"/>
+          </a:fillRef>
+          <a:effectRef idx="0">
+            <a:schemeClr val="accent1"/>
+          </a:effectRef>
+          <a:fontRef idx="minor">
+            <a:schemeClr val="lt1"/>
+          </a:fontRef>
+        </p:style>
+        <p:txBody>
+          <a:bodyPr rtlCol="0" anchor="ctr"/>
+          <a:lstStyle/>
+          <a:p>
+            <a:pPr algn="ctr"/>
+            <a:r>
+              <a:rPr lang="en-US" altLang="ja-JP" sz="1600" dirty="0" smtClean="0">
+                <a:solidFill>
+                  <a:schemeClr val="tx1">
+                    <a:lumMod val="75000"/>
+                    <a:lumOff val="25000"/>
+                  </a:schemeClr>
+                </a:solidFill>
+                <a:latin typeface="HGP創英角ｺﾞｼｯｸUB" panose="020B0900000000000000" pitchFamily="50" charset="-128"/>
+                <a:ea typeface="HGP創英角ｺﾞｼｯｸUB" panose="020B0900000000000000" pitchFamily="50" charset="-128"/>
+              </a:rPr>
+              <a:t>Authentication</a:t>
+            </a:r>
+          </a:p>
+          <a:p>
+            <a:pPr algn="ctr"/>
+            <a:r>
+              <a:rPr lang="en-US" altLang="ja-JP" sz="1600" dirty="0" smtClean="0">
+                <a:solidFill>
+                  <a:schemeClr val="tx1">
+                    <a:lumMod val="75000"/>
+                    <a:lumOff val="25000"/>
+                  </a:schemeClr>
+                </a:solidFill>
+                <a:latin typeface="HGP創英角ｺﾞｼｯｸUB" panose="020B0900000000000000" pitchFamily="50" charset="-128"/>
+                <a:ea typeface="HGP創英角ｺﾞｼｯｸUB" panose="020B0900000000000000" pitchFamily="50" charset="-128"/>
+              </a:rPr>
+              <a:t>Information</a:t>
+            </a:r>
+            <a:endParaRPr lang="en-US" altLang="ja-JP" sz="1600" dirty="0">
+              <a:solidFill>
+                <a:schemeClr val="tx1">
+                  <a:lumMod val="75000"/>
+                  <a:lumOff val="25000"/>
+                </a:schemeClr>
+              </a:solidFill>
+              <a:latin typeface="HGP創英角ｺﾞｼｯｸUB" panose="020B0900000000000000" pitchFamily="50" charset="-128"/>
+              <a:ea typeface="HGP創英角ｺﾞｼｯｸUB" panose="020B0900000000000000" pitchFamily="50" charset="-128"/>
+            </a:endParaRPr>
+          </a:p>
+        </p:txBody>
+      </p:sp>
+      <p:sp>
+        <p:nvSpPr>
+          <p:cNvPr id="46" name="正方形/長方形 45"/>
+          <p:cNvSpPr/>
+          <p:nvPr/>
+        </p:nvSpPr>
+        <p:spPr>
+          <a:xfrm>
+            <a:off x="2581477" y="2260564"/>
+            <a:ext cx="1604024" cy="489415"/>
+          </a:xfrm>
+          <a:prstGeom prst="rect">
+            <a:avLst/>
+          </a:prstGeom>
+          <a:solidFill>
+            <a:schemeClr val="accent6">
+              <a:lumMod val="60000"/>
+              <a:lumOff val="40000"/>
+            </a:schemeClr>
+          </a:solidFill>
+          <a:ln>
+            <a:noFill/>
+          </a:ln>
+        </p:spPr>
+        <p:style>
+          <a:lnRef idx="2">
+            <a:schemeClr val="accent1">
+              <a:shade val="50000"/>
+            </a:schemeClr>
+          </a:lnRef>
+          <a:fillRef idx="1">
+            <a:schemeClr val="accent1"/>
+          </a:fillRef>
+          <a:effectRef idx="0">
+            <a:schemeClr val="accent1"/>
+          </a:effectRef>
+          <a:fontRef idx="minor">
+            <a:schemeClr val="lt1"/>
+          </a:fontRef>
+        </p:style>
+        <p:txBody>
+          <a:bodyPr rtlCol="0" anchor="ctr"/>
+          <a:lstStyle/>
+          <a:p>
+            <a:pPr algn="ctr"/>
+            <a:r>
+              <a:rPr lang="en-US" altLang="ja-JP" sz="1600" dirty="0">
+                <a:solidFill>
+                  <a:schemeClr val="tx1">
+                    <a:lumMod val="75000"/>
+                    <a:lumOff val="25000"/>
+                  </a:schemeClr>
+                </a:solidFill>
+                <a:latin typeface="HGP創英角ｺﾞｼｯｸUB" panose="020B0900000000000000" pitchFamily="50" charset="-128"/>
+                <a:ea typeface="HGP創英角ｺﾞｼｯｸUB" panose="020B0900000000000000" pitchFamily="50" charset="-128"/>
+              </a:rPr>
+              <a:t>Authentication</a:t>
+            </a:r>
+          </a:p>
+          <a:p>
+            <a:pPr algn="ctr"/>
+            <a:r>
+              <a:rPr lang="en-US" altLang="ja-JP" sz="1600" dirty="0" smtClean="0">
+                <a:solidFill>
+                  <a:schemeClr val="tx1">
+                    <a:lumMod val="75000"/>
+                    <a:lumOff val="25000"/>
+                  </a:schemeClr>
+                </a:solidFill>
+                <a:latin typeface="HGP創英角ｺﾞｼｯｸUB" panose="020B0900000000000000" pitchFamily="50" charset="-128"/>
+                <a:ea typeface="HGP創英角ｺﾞｼｯｸUB" panose="020B0900000000000000" pitchFamily="50" charset="-128"/>
+              </a:rPr>
+              <a:t>Exception</a:t>
+            </a:r>
+            <a:endParaRPr lang="en-US" altLang="ja-JP" sz="1600" dirty="0">
+              <a:solidFill>
+                <a:schemeClr val="tx1">
+                  <a:lumMod val="75000"/>
+                  <a:lumOff val="25000"/>
+                </a:schemeClr>
+              </a:solidFill>
+              <a:latin typeface="HGP創英角ｺﾞｼｯｸUB" panose="020B0900000000000000" pitchFamily="50" charset="-128"/>
+              <a:ea typeface="HGP創英角ｺﾞｼｯｸUB" panose="020B0900000000000000" pitchFamily="50" charset="-128"/>
+            </a:endParaRPr>
+          </a:p>
+        </p:txBody>
+      </p:sp>
     </p:spTree>
     <p:extLst>
       <p:ext uri="{BB962C8B-B14F-4D97-AF65-F5344CB8AC3E}">
-        <p14:creationId xmlns:p14="http://schemas.microsoft.com/office/powerpoint/2010/main" val="2121582763"/>
+        <p14:creationId xmlns:p14="http://schemas.microsoft.com/office/powerpoint/2010/main" val="1717538041"/>
       </p:ext>
     </p:extLst>
   </p:cSld>
